--- a/make_presentation/templates/templates/classic/_34.pptx
+++ b/make_presentation/templates/templates/classic/_34.pptx
@@ -325,7 +325,7 @@
             <a:pPr algn="r">
               <a:buNone/>
             </a:pPr>
-            <a:fld id="{1503FCC4-0150-4D6E-A173-1F58210BFDFD}" type="slidenum">
+            <a:fld id="{D5355460-B6AF-479D-9B50-AE524C29CA7F}" type="slidenum">
               <a:rPr b="0" lang="en-US" sz="1400" spc="-1" strike="noStrike">
                 <a:latin typeface="Times New Roman"/>
               </a:rPr>
@@ -373,7 +373,7 @@
         <p:spPr>
           <a:xfrm>
             <a:off x="380880" y="685800"/>
-            <a:ext cx="6091200" cy="3424320"/>
+            <a:ext cx="6090840" cy="3423960"/>
           </a:xfrm>
           <a:prstGeom prst="rect">
             <a:avLst/>
@@ -396,7 +396,7 @@
         <p:spPr>
           <a:xfrm>
             <a:off x="685800" y="4343400"/>
-            <a:ext cx="5481720" cy="4110120"/>
+            <a:ext cx="5481360" cy="4109760"/>
           </a:xfrm>
           <a:prstGeom prst="rect">
             <a:avLst/>
@@ -430,7 +430,7 @@
         <p:spPr>
           <a:xfrm>
             <a:off x="3884760" y="8685360"/>
-            <a:ext cx="2967120" cy="452520"/>
+            <a:ext cx="2966760" cy="452160"/>
           </a:xfrm>
           <a:prstGeom prst="rect">
             <a:avLst/>
@@ -466,7 +466,7 @@
               </a:lnSpc>
               <a:buNone/>
             </a:pPr>
-            <a:fld id="{D831B766-00EE-4E63-B3D9-9634E6F08E99}" type="slidenum">
+            <a:fld id="{2F817B35-B890-47A7-BF9B-D5418DB226C1}" type="slidenum">
               <a:rPr b="0" lang="en-US" sz="1200" spc="-1" strike="noStrike">
                 <a:solidFill>
                   <a:srgbClr val="000000"/>
@@ -517,7 +517,7 @@
         <p:spPr>
           <a:xfrm>
             <a:off x="380880" y="685800"/>
-            <a:ext cx="6091200" cy="3424320"/>
+            <a:ext cx="6090840" cy="3423960"/>
           </a:xfrm>
           <a:prstGeom prst="rect">
             <a:avLst/>
@@ -540,7 +540,7 @@
         <p:spPr>
           <a:xfrm>
             <a:off x="685800" y="4343400"/>
-            <a:ext cx="5481720" cy="4110120"/>
+            <a:ext cx="5481360" cy="4109760"/>
           </a:xfrm>
           <a:prstGeom prst="rect">
             <a:avLst/>
@@ -574,7 +574,7 @@
         <p:spPr>
           <a:xfrm>
             <a:off x="3884760" y="8685360"/>
-            <a:ext cx="2967120" cy="452520"/>
+            <a:ext cx="2966760" cy="452160"/>
           </a:xfrm>
           <a:prstGeom prst="rect">
             <a:avLst/>
@@ -610,7 +610,7 @@
               </a:lnSpc>
               <a:buNone/>
             </a:pPr>
-            <a:fld id="{91476327-EDFA-4EAC-B512-8B52B7CAFD06}" type="slidenum">
+            <a:fld id="{88DB7D36-C25E-455B-A3D0-8C3F64357D91}" type="slidenum">
               <a:rPr b="0" lang="en-US" sz="1200" spc="-1" strike="noStrike">
                 <a:solidFill>
                   <a:srgbClr val="000000"/>
@@ -661,7 +661,7 @@
         <p:spPr>
           <a:xfrm>
             <a:off x="380880" y="685800"/>
-            <a:ext cx="6091200" cy="3424320"/>
+            <a:ext cx="6090840" cy="3423960"/>
           </a:xfrm>
           <a:prstGeom prst="rect">
             <a:avLst/>
@@ -684,7 +684,7 @@
         <p:spPr>
           <a:xfrm>
             <a:off x="685800" y="4343400"/>
-            <a:ext cx="5481720" cy="4110120"/>
+            <a:ext cx="5481360" cy="4109760"/>
           </a:xfrm>
           <a:prstGeom prst="rect">
             <a:avLst/>
@@ -718,7 +718,7 @@
         <p:spPr>
           <a:xfrm>
             <a:off x="3884760" y="8685360"/>
-            <a:ext cx="2967120" cy="452520"/>
+            <a:ext cx="2966760" cy="452160"/>
           </a:xfrm>
           <a:prstGeom prst="rect">
             <a:avLst/>
@@ -754,7 +754,7 @@
               </a:lnSpc>
               <a:buNone/>
             </a:pPr>
-            <a:fld id="{450857D0-1530-4519-9BD4-2A856BEE8728}" type="slidenum">
+            <a:fld id="{C7A10D95-6268-41D4-A168-682432334C06}" type="slidenum">
               <a:rPr b="0" lang="en-US" sz="1200" spc="-1" strike="noStrike">
                 <a:solidFill>
                   <a:srgbClr val="000000"/>
@@ -805,7 +805,7 @@
         <p:spPr>
           <a:xfrm>
             <a:off x="380880" y="685800"/>
-            <a:ext cx="6091200" cy="3424320"/>
+            <a:ext cx="6090840" cy="3423960"/>
           </a:xfrm>
           <a:prstGeom prst="rect">
             <a:avLst/>
@@ -828,7 +828,7 @@
         <p:spPr>
           <a:xfrm>
             <a:off x="685800" y="4343400"/>
-            <a:ext cx="5481720" cy="4110120"/>
+            <a:ext cx="5481360" cy="4109760"/>
           </a:xfrm>
           <a:prstGeom prst="rect">
             <a:avLst/>
@@ -862,7 +862,7 @@
         <p:spPr>
           <a:xfrm>
             <a:off x="3884760" y="8685360"/>
-            <a:ext cx="2967120" cy="452520"/>
+            <a:ext cx="2966760" cy="452160"/>
           </a:xfrm>
           <a:prstGeom prst="rect">
             <a:avLst/>
@@ -898,7 +898,7 @@
               </a:lnSpc>
               <a:buNone/>
             </a:pPr>
-            <a:fld id="{12B97C9D-3EF1-4133-A085-153630644BA6}" type="slidenum">
+            <a:fld id="{59EDBA58-29D3-4E7F-A238-4A30F3C8FDA9}" type="slidenum">
               <a:rPr b="0" lang="en-US" sz="1200" spc="-1" strike="noStrike">
                 <a:solidFill>
                   <a:srgbClr val="000000"/>
@@ -949,7 +949,7 @@
         <p:spPr>
           <a:xfrm>
             <a:off x="380880" y="685800"/>
-            <a:ext cx="6091200" cy="3424320"/>
+            <a:ext cx="6090840" cy="3423960"/>
           </a:xfrm>
           <a:prstGeom prst="rect">
             <a:avLst/>
@@ -972,7 +972,7 @@
         <p:spPr>
           <a:xfrm>
             <a:off x="685800" y="4343400"/>
-            <a:ext cx="5481720" cy="4110120"/>
+            <a:ext cx="5481360" cy="4109760"/>
           </a:xfrm>
           <a:prstGeom prst="rect">
             <a:avLst/>
@@ -1006,7 +1006,7 @@
         <p:spPr>
           <a:xfrm>
             <a:off x="3884760" y="8685360"/>
-            <a:ext cx="2967120" cy="452520"/>
+            <a:ext cx="2966760" cy="452160"/>
           </a:xfrm>
           <a:prstGeom prst="rect">
             <a:avLst/>
@@ -1042,7 +1042,7 @@
               </a:lnSpc>
               <a:buNone/>
             </a:pPr>
-            <a:fld id="{BA7EED65-8931-4EA4-B829-4B3E8DCDB582}" type="slidenum">
+            <a:fld id="{51085187-F578-46CE-BC40-F476E784CBEF}" type="slidenum">
               <a:rPr b="0" lang="en-US" sz="1200" spc="-1" strike="noStrike">
                 <a:solidFill>
                   <a:srgbClr val="000000"/>
@@ -1093,7 +1093,7 @@
         <p:spPr>
           <a:xfrm>
             <a:off x="380880" y="685800"/>
-            <a:ext cx="6091200" cy="3424320"/>
+            <a:ext cx="6090840" cy="3423960"/>
           </a:xfrm>
           <a:prstGeom prst="rect">
             <a:avLst/>
@@ -1116,7 +1116,7 @@
         <p:spPr>
           <a:xfrm>
             <a:off x="685800" y="4343400"/>
-            <a:ext cx="5481720" cy="4110120"/>
+            <a:ext cx="5481360" cy="4109760"/>
           </a:xfrm>
           <a:prstGeom prst="rect">
             <a:avLst/>
@@ -1150,7 +1150,7 @@
         <p:spPr>
           <a:xfrm>
             <a:off x="3884760" y="8685360"/>
-            <a:ext cx="2967120" cy="452520"/>
+            <a:ext cx="2966760" cy="452160"/>
           </a:xfrm>
           <a:prstGeom prst="rect">
             <a:avLst/>
@@ -1186,7 +1186,7 @@
               </a:lnSpc>
               <a:buNone/>
             </a:pPr>
-            <a:fld id="{681E93F6-EA4F-409F-9A48-9B9420EFD9D2}" type="slidenum">
+            <a:fld id="{EB6A7870-23D4-4FC1-B9C3-52F8E0B807A8}" type="slidenum">
               <a:rPr b="0" lang="en-US" sz="1200" spc="-1" strike="noStrike">
                 <a:solidFill>
                   <a:srgbClr val="000000"/>
@@ -1237,7 +1237,7 @@
         <p:spPr>
           <a:xfrm>
             <a:off x="380880" y="685800"/>
-            <a:ext cx="6091200" cy="3424320"/>
+            <a:ext cx="6090840" cy="3423960"/>
           </a:xfrm>
           <a:prstGeom prst="rect">
             <a:avLst/>
@@ -1260,7 +1260,7 @@
         <p:spPr>
           <a:xfrm>
             <a:off x="685800" y="4343400"/>
-            <a:ext cx="5481720" cy="4110120"/>
+            <a:ext cx="5481360" cy="4109760"/>
           </a:xfrm>
           <a:prstGeom prst="rect">
             <a:avLst/>
@@ -1294,7 +1294,7 @@
         <p:spPr>
           <a:xfrm>
             <a:off x="3884760" y="8685360"/>
-            <a:ext cx="2967120" cy="452520"/>
+            <a:ext cx="2966760" cy="452160"/>
           </a:xfrm>
           <a:prstGeom prst="rect">
             <a:avLst/>
@@ -1330,7 +1330,7 @@
               </a:lnSpc>
               <a:buNone/>
             </a:pPr>
-            <a:fld id="{A93FBC34-A40B-4BE6-AC27-DCFD291AB73F}" type="slidenum">
+            <a:fld id="{08C3DCB5-0F0E-4676-8DB4-6CB1DAF1D641}" type="slidenum">
               <a:rPr b="0" lang="en-US" sz="1200" spc="-1" strike="noStrike">
                 <a:solidFill>
                   <a:srgbClr val="000000"/>
@@ -1381,7 +1381,7 @@
         <p:spPr>
           <a:xfrm>
             <a:off x="380880" y="685800"/>
-            <a:ext cx="6091200" cy="3424320"/>
+            <a:ext cx="6090840" cy="3423960"/>
           </a:xfrm>
           <a:prstGeom prst="rect">
             <a:avLst/>
@@ -1404,7 +1404,7 @@
         <p:spPr>
           <a:xfrm>
             <a:off x="685800" y="4343400"/>
-            <a:ext cx="5481720" cy="4110120"/>
+            <a:ext cx="5481360" cy="4109760"/>
           </a:xfrm>
           <a:prstGeom prst="rect">
             <a:avLst/>
@@ -1438,7 +1438,7 @@
         <p:spPr>
           <a:xfrm>
             <a:off x="3884760" y="8685360"/>
-            <a:ext cx="2967120" cy="452520"/>
+            <a:ext cx="2966760" cy="452160"/>
           </a:xfrm>
           <a:prstGeom prst="rect">
             <a:avLst/>
@@ -1474,7 +1474,7 @@
               </a:lnSpc>
               <a:buNone/>
             </a:pPr>
-            <a:fld id="{F170D7C5-5BC2-41CB-9E19-5D14B253BE69}" type="slidenum">
+            <a:fld id="{6473ADF3-E707-40E2-BC50-6A0EE8571D29}" type="slidenum">
               <a:rPr b="0" lang="en-US" sz="1200" spc="-1" strike="noStrike">
                 <a:solidFill>
                   <a:srgbClr val="000000"/>
@@ -1525,7 +1525,7 @@
         <p:spPr>
           <a:xfrm>
             <a:off x="380880" y="685800"/>
-            <a:ext cx="6091200" cy="3424320"/>
+            <a:ext cx="6090840" cy="3423960"/>
           </a:xfrm>
           <a:prstGeom prst="rect">
             <a:avLst/>
@@ -1548,7 +1548,7 @@
         <p:spPr>
           <a:xfrm>
             <a:off x="685800" y="4343400"/>
-            <a:ext cx="5481720" cy="4110120"/>
+            <a:ext cx="5481360" cy="4109760"/>
           </a:xfrm>
           <a:prstGeom prst="rect">
             <a:avLst/>
@@ -1582,7 +1582,7 @@
         <p:spPr>
           <a:xfrm>
             <a:off x="3884760" y="8685360"/>
-            <a:ext cx="2967120" cy="452520"/>
+            <a:ext cx="2966760" cy="452160"/>
           </a:xfrm>
           <a:prstGeom prst="rect">
             <a:avLst/>
@@ -1618,7 +1618,7 @@
               </a:lnSpc>
               <a:buNone/>
             </a:pPr>
-            <a:fld id="{5E83B573-BFC0-4BE0-BDA9-CD249E86667A}" type="slidenum">
+            <a:fld id="{B1AA4BDF-6B8D-4D25-A0AE-71252BC8B139}" type="slidenum">
               <a:rPr b="0" lang="en-US" sz="1200" spc="-1" strike="noStrike">
                 <a:solidFill>
                   <a:srgbClr val="000000"/>
@@ -1669,7 +1669,7 @@
         <p:spPr>
           <a:xfrm>
             <a:off x="380880" y="685800"/>
-            <a:ext cx="6091200" cy="3424320"/>
+            <a:ext cx="6090840" cy="3423960"/>
           </a:xfrm>
           <a:prstGeom prst="rect">
             <a:avLst/>
@@ -1692,7 +1692,7 @@
         <p:spPr>
           <a:xfrm>
             <a:off x="685800" y="4343400"/>
-            <a:ext cx="5481720" cy="4110120"/>
+            <a:ext cx="5481360" cy="4109760"/>
           </a:xfrm>
           <a:prstGeom prst="rect">
             <a:avLst/>
@@ -1726,7 +1726,7 @@
         <p:spPr>
           <a:xfrm>
             <a:off x="3884760" y="8685360"/>
-            <a:ext cx="2967120" cy="452520"/>
+            <a:ext cx="2966760" cy="452160"/>
           </a:xfrm>
           <a:prstGeom prst="rect">
             <a:avLst/>
@@ -1762,7 +1762,7 @@
               </a:lnSpc>
               <a:buNone/>
             </a:pPr>
-            <a:fld id="{BCBD4D3E-82B0-4F0D-9290-1061DA8EFC5F}" type="slidenum">
+            <a:fld id="{1EAA2666-7CB5-4F3B-93DF-81C95968FF6B}" type="slidenum">
               <a:rPr b="0" lang="en-US" sz="1200" spc="-1" strike="noStrike">
                 <a:solidFill>
                   <a:srgbClr val="000000"/>
@@ -1813,7 +1813,7 @@
         <p:spPr>
           <a:xfrm>
             <a:off x="380880" y="685800"/>
-            <a:ext cx="6091200" cy="3424320"/>
+            <a:ext cx="6090840" cy="3423960"/>
           </a:xfrm>
           <a:prstGeom prst="rect">
             <a:avLst/>
@@ -1836,7 +1836,7 @@
         <p:spPr>
           <a:xfrm>
             <a:off x="685800" y="4343400"/>
-            <a:ext cx="5481720" cy="4110120"/>
+            <a:ext cx="5481360" cy="4109760"/>
           </a:xfrm>
           <a:prstGeom prst="rect">
             <a:avLst/>
@@ -1870,7 +1870,7 @@
         <p:spPr>
           <a:xfrm>
             <a:off x="3884760" y="8685360"/>
-            <a:ext cx="2967120" cy="452520"/>
+            <a:ext cx="2966760" cy="452160"/>
           </a:xfrm>
           <a:prstGeom prst="rect">
             <a:avLst/>
@@ -1906,7 +1906,7 @@
               </a:lnSpc>
               <a:buNone/>
             </a:pPr>
-            <a:fld id="{014067D5-85FD-45F3-9CAB-D7B96C7D2A71}" type="slidenum">
+            <a:fld id="{8C771199-1D0E-4AF7-BA5C-04FD7B893F60}" type="slidenum">
               <a:rPr b="0" lang="en-US" sz="1200" spc="-1" strike="noStrike">
                 <a:solidFill>
                   <a:srgbClr val="000000"/>
@@ -1957,7 +1957,7 @@
         <p:spPr>
           <a:xfrm>
             <a:off x="380880" y="685800"/>
-            <a:ext cx="6091200" cy="3424320"/>
+            <a:ext cx="6090840" cy="3423960"/>
           </a:xfrm>
           <a:prstGeom prst="rect">
             <a:avLst/>
@@ -1980,7 +1980,7 @@
         <p:spPr>
           <a:xfrm>
             <a:off x="685800" y="4343400"/>
-            <a:ext cx="5481720" cy="4110120"/>
+            <a:ext cx="5481360" cy="4109760"/>
           </a:xfrm>
           <a:prstGeom prst="rect">
             <a:avLst/>
@@ -2014,7 +2014,7 @@
         <p:spPr>
           <a:xfrm>
             <a:off x="3884760" y="8685360"/>
-            <a:ext cx="2967120" cy="452520"/>
+            <a:ext cx="2966760" cy="452160"/>
           </a:xfrm>
           <a:prstGeom prst="rect">
             <a:avLst/>
@@ -2050,7 +2050,7 @@
               </a:lnSpc>
               <a:buNone/>
             </a:pPr>
-            <a:fld id="{CAD5E073-6222-4FCC-A801-5A289DD3E9E3}" type="slidenum">
+            <a:fld id="{35724F38-A21D-46D4-9218-F430D1AB8DE8}" type="slidenum">
               <a:rPr b="0" lang="en-US" sz="1200" spc="-1" strike="noStrike">
                 <a:solidFill>
                   <a:srgbClr val="000000"/>
@@ -2101,7 +2101,7 @@
         <p:spPr>
           <a:xfrm>
             <a:off x="380880" y="685800"/>
-            <a:ext cx="6091200" cy="3424320"/>
+            <a:ext cx="6090840" cy="3423960"/>
           </a:xfrm>
           <a:prstGeom prst="rect">
             <a:avLst/>
@@ -2124,7 +2124,7 @@
         <p:spPr>
           <a:xfrm>
             <a:off x="685800" y="4343400"/>
-            <a:ext cx="5481720" cy="4110120"/>
+            <a:ext cx="5481360" cy="4109760"/>
           </a:xfrm>
           <a:prstGeom prst="rect">
             <a:avLst/>
@@ -2158,7 +2158,7 @@
         <p:spPr>
           <a:xfrm>
             <a:off x="3884760" y="8685360"/>
-            <a:ext cx="2967120" cy="452520"/>
+            <a:ext cx="2966760" cy="452160"/>
           </a:xfrm>
           <a:prstGeom prst="rect">
             <a:avLst/>
@@ -2194,7 +2194,7 @@
               </a:lnSpc>
               <a:buNone/>
             </a:pPr>
-            <a:fld id="{61F7D9B3-1F58-41B2-8F43-09C70A021C9C}" type="slidenum">
+            <a:fld id="{7D533885-DD8D-428E-BAD8-2CE1AD60A143}" type="slidenum">
               <a:rPr b="0" lang="en-US" sz="1200" spc="-1" strike="noStrike">
                 <a:solidFill>
                   <a:srgbClr val="000000"/>
@@ -2245,7 +2245,7 @@
         <p:spPr>
           <a:xfrm>
             <a:off x="380880" y="685800"/>
-            <a:ext cx="6091200" cy="3424320"/>
+            <a:ext cx="6090840" cy="3423960"/>
           </a:xfrm>
           <a:prstGeom prst="rect">
             <a:avLst/>
@@ -2268,7 +2268,7 @@
         <p:spPr>
           <a:xfrm>
             <a:off x="685800" y="4343400"/>
-            <a:ext cx="5481720" cy="4110120"/>
+            <a:ext cx="5481360" cy="4109760"/>
           </a:xfrm>
           <a:prstGeom prst="rect">
             <a:avLst/>
@@ -2302,7 +2302,7 @@
         <p:spPr>
           <a:xfrm>
             <a:off x="3884760" y="8685360"/>
-            <a:ext cx="2967120" cy="452520"/>
+            <a:ext cx="2966760" cy="452160"/>
           </a:xfrm>
           <a:prstGeom prst="rect">
             <a:avLst/>
@@ -2338,7 +2338,7 @@
               </a:lnSpc>
               <a:buNone/>
             </a:pPr>
-            <a:fld id="{8ACC96CC-EBC0-4919-9FEE-CC57E995A399}" type="slidenum">
+            <a:fld id="{95F81936-F662-49E8-8690-39AEFBE48FD8}" type="slidenum">
               <a:rPr b="0" lang="en-US" sz="1200" spc="-1" strike="noStrike">
                 <a:solidFill>
                   <a:srgbClr val="000000"/>
@@ -2389,7 +2389,7 @@
         <p:spPr>
           <a:xfrm>
             <a:off x="380880" y="685800"/>
-            <a:ext cx="6091200" cy="3424320"/>
+            <a:ext cx="6090840" cy="3423960"/>
           </a:xfrm>
           <a:prstGeom prst="rect">
             <a:avLst/>
@@ -2412,7 +2412,7 @@
         <p:spPr>
           <a:xfrm>
             <a:off x="685800" y="4343400"/>
-            <a:ext cx="5481720" cy="4110120"/>
+            <a:ext cx="5481360" cy="4109760"/>
           </a:xfrm>
           <a:prstGeom prst="rect">
             <a:avLst/>
@@ -2446,7 +2446,7 @@
         <p:spPr>
           <a:xfrm>
             <a:off x="3884760" y="8685360"/>
-            <a:ext cx="2967120" cy="452520"/>
+            <a:ext cx="2966760" cy="452160"/>
           </a:xfrm>
           <a:prstGeom prst="rect">
             <a:avLst/>
@@ -2482,7 +2482,7 @@
               </a:lnSpc>
               <a:buNone/>
             </a:pPr>
-            <a:fld id="{B44088B9-A8E3-40A4-BE3F-1139B2B44D46}" type="slidenum">
+            <a:fld id="{F775E310-7ED2-4111-A2FB-77DCBFD258FE}" type="slidenum">
               <a:rPr b="0" lang="en-US" sz="1200" spc="-1" strike="noStrike">
                 <a:solidFill>
                   <a:srgbClr val="000000"/>
@@ -2533,7 +2533,7 @@
         <p:spPr>
           <a:xfrm>
             <a:off x="380880" y="685800"/>
-            <a:ext cx="6091200" cy="3424320"/>
+            <a:ext cx="6090840" cy="3423960"/>
           </a:xfrm>
           <a:prstGeom prst="rect">
             <a:avLst/>
@@ -2556,7 +2556,7 @@
         <p:spPr>
           <a:xfrm>
             <a:off x="685800" y="4343400"/>
-            <a:ext cx="5481720" cy="4110120"/>
+            <a:ext cx="5481360" cy="4109760"/>
           </a:xfrm>
           <a:prstGeom prst="rect">
             <a:avLst/>
@@ -2590,7 +2590,7 @@
         <p:spPr>
           <a:xfrm>
             <a:off x="3884760" y="8685360"/>
-            <a:ext cx="2967120" cy="452520"/>
+            <a:ext cx="2966760" cy="452160"/>
           </a:xfrm>
           <a:prstGeom prst="rect">
             <a:avLst/>
@@ -2626,7 +2626,7 @@
               </a:lnSpc>
               <a:buNone/>
             </a:pPr>
-            <a:fld id="{80DDEA16-38E1-458A-B76B-74050709171D}" type="slidenum">
+            <a:fld id="{9F8C3A5B-5CC6-4341-BF00-EB2268923FC9}" type="slidenum">
               <a:rPr b="0" lang="en-US" sz="1200" spc="-1" strike="noStrike">
                 <a:solidFill>
                   <a:srgbClr val="000000"/>
@@ -2677,7 +2677,7 @@
         <p:spPr>
           <a:xfrm>
             <a:off x="380880" y="685800"/>
-            <a:ext cx="6091200" cy="3424320"/>
+            <a:ext cx="6090840" cy="3423960"/>
           </a:xfrm>
           <a:prstGeom prst="rect">
             <a:avLst/>
@@ -2700,7 +2700,7 @@
         <p:spPr>
           <a:xfrm>
             <a:off x="685800" y="4343400"/>
-            <a:ext cx="5481720" cy="4110120"/>
+            <a:ext cx="5481360" cy="4109760"/>
           </a:xfrm>
           <a:prstGeom prst="rect">
             <a:avLst/>
@@ -2734,7 +2734,7 @@
         <p:spPr>
           <a:xfrm>
             <a:off x="3884760" y="8685360"/>
-            <a:ext cx="2967120" cy="452520"/>
+            <a:ext cx="2966760" cy="452160"/>
           </a:xfrm>
           <a:prstGeom prst="rect">
             <a:avLst/>
@@ -2770,7 +2770,7 @@
               </a:lnSpc>
               <a:buNone/>
             </a:pPr>
-            <a:fld id="{65275659-D6C2-4DC0-97FC-73526A73C12D}" type="slidenum">
+            <a:fld id="{C1935D51-F0AE-4372-9D84-E2C56994A392}" type="slidenum">
               <a:rPr b="0" lang="en-US" sz="1200" spc="-1" strike="noStrike">
                 <a:solidFill>
                   <a:srgbClr val="000000"/>
@@ -2821,7 +2821,7 @@
         <p:spPr>
           <a:xfrm>
             <a:off x="380880" y="685800"/>
-            <a:ext cx="6091200" cy="3424320"/>
+            <a:ext cx="6090840" cy="3423960"/>
           </a:xfrm>
           <a:prstGeom prst="rect">
             <a:avLst/>
@@ -2844,7 +2844,7 @@
         <p:spPr>
           <a:xfrm>
             <a:off x="685800" y="4343400"/>
-            <a:ext cx="5481720" cy="4110120"/>
+            <a:ext cx="5481360" cy="4109760"/>
           </a:xfrm>
           <a:prstGeom prst="rect">
             <a:avLst/>
@@ -2878,7 +2878,7 @@
         <p:spPr>
           <a:xfrm>
             <a:off x="3884760" y="8685360"/>
-            <a:ext cx="2967120" cy="452520"/>
+            <a:ext cx="2966760" cy="452160"/>
           </a:xfrm>
           <a:prstGeom prst="rect">
             <a:avLst/>
@@ -2914,7 +2914,7 @@
               </a:lnSpc>
               <a:buNone/>
             </a:pPr>
-            <a:fld id="{D00BE3A2-8311-4C2B-AEEB-C2ABCFD8AE79}" type="slidenum">
+            <a:fld id="{3AF071A6-55B7-4A6C-BFD2-11E2DE3F22DF}" type="slidenum">
               <a:rPr b="0" lang="en-US" sz="1200" spc="-1" strike="noStrike">
                 <a:solidFill>
                   <a:srgbClr val="000000"/>
@@ -2965,7 +2965,7 @@
         <p:spPr>
           <a:xfrm>
             <a:off x="380880" y="685800"/>
-            <a:ext cx="6091200" cy="3424320"/>
+            <a:ext cx="6090840" cy="3423960"/>
           </a:xfrm>
           <a:prstGeom prst="rect">
             <a:avLst/>
@@ -2988,7 +2988,7 @@
         <p:spPr>
           <a:xfrm>
             <a:off x="685800" y="4343400"/>
-            <a:ext cx="5481720" cy="4110120"/>
+            <a:ext cx="5481360" cy="4109760"/>
           </a:xfrm>
           <a:prstGeom prst="rect">
             <a:avLst/>
@@ -3022,7 +3022,7 @@
         <p:spPr>
           <a:xfrm>
             <a:off x="3884760" y="8685360"/>
-            <a:ext cx="2967120" cy="452520"/>
+            <a:ext cx="2966760" cy="452160"/>
           </a:xfrm>
           <a:prstGeom prst="rect">
             <a:avLst/>
@@ -3058,7 +3058,7 @@
               </a:lnSpc>
               <a:buNone/>
             </a:pPr>
-            <a:fld id="{5019246C-C7B5-40A8-A76E-84CE7969FF0A}" type="slidenum">
+            <a:fld id="{06A3C263-3EA1-47D5-8AE8-8114C1A781FD}" type="slidenum">
               <a:rPr b="0" lang="en-US" sz="1200" spc="-1" strike="noStrike">
                 <a:solidFill>
                   <a:srgbClr val="000000"/>
@@ -3109,7 +3109,7 @@
         <p:spPr>
           <a:xfrm>
             <a:off x="380880" y="685800"/>
-            <a:ext cx="6091200" cy="3424320"/>
+            <a:ext cx="6090840" cy="3423960"/>
           </a:xfrm>
           <a:prstGeom prst="rect">
             <a:avLst/>
@@ -3132,7 +3132,7 @@
         <p:spPr>
           <a:xfrm>
             <a:off x="685800" y="4343400"/>
-            <a:ext cx="5481720" cy="4110120"/>
+            <a:ext cx="5481360" cy="4109760"/>
           </a:xfrm>
           <a:prstGeom prst="rect">
             <a:avLst/>
@@ -3166,7 +3166,7 @@
         <p:spPr>
           <a:xfrm>
             <a:off x="3884760" y="8685360"/>
-            <a:ext cx="2967120" cy="452520"/>
+            <a:ext cx="2966760" cy="452160"/>
           </a:xfrm>
           <a:prstGeom prst="rect">
             <a:avLst/>
@@ -3202,7 +3202,7 @@
               </a:lnSpc>
               <a:buNone/>
             </a:pPr>
-            <a:fld id="{E2D0491B-15AF-4673-A30F-D6C46AD4D22B}" type="slidenum">
+            <a:fld id="{C3C94392-0AA8-44E2-A419-A64B43F3827B}" type="slidenum">
               <a:rPr b="0" lang="en-US" sz="1200" spc="-1" strike="noStrike">
                 <a:solidFill>
                   <a:srgbClr val="000000"/>
@@ -3253,7 +3253,7 @@
         <p:spPr>
           <a:xfrm>
             <a:off x="380880" y="685800"/>
-            <a:ext cx="6091200" cy="3424320"/>
+            <a:ext cx="6090840" cy="3423960"/>
           </a:xfrm>
           <a:prstGeom prst="rect">
             <a:avLst/>
@@ -3276,7 +3276,7 @@
         <p:spPr>
           <a:xfrm>
             <a:off x="685800" y="4343400"/>
-            <a:ext cx="5481720" cy="4110120"/>
+            <a:ext cx="5481360" cy="4109760"/>
           </a:xfrm>
           <a:prstGeom prst="rect">
             <a:avLst/>
@@ -3310,7 +3310,7 @@
         <p:spPr>
           <a:xfrm>
             <a:off x="3884760" y="8685360"/>
-            <a:ext cx="2967120" cy="452520"/>
+            <a:ext cx="2966760" cy="452160"/>
           </a:xfrm>
           <a:prstGeom prst="rect">
             <a:avLst/>
@@ -3346,7 +3346,7 @@
               </a:lnSpc>
               <a:buNone/>
             </a:pPr>
-            <a:fld id="{4789EB38-9333-4A6E-AF6F-8B7676125AFD}" type="slidenum">
+            <a:fld id="{D940C15A-5514-44E2-BE0C-68C13FAB146A}" type="slidenum">
               <a:rPr b="0" lang="en-US" sz="1200" spc="-1" strike="noStrike">
                 <a:solidFill>
                   <a:srgbClr val="000000"/>
@@ -3397,7 +3397,7 @@
         <p:spPr>
           <a:xfrm>
             <a:off x="380880" y="685800"/>
-            <a:ext cx="6091200" cy="3424320"/>
+            <a:ext cx="6090840" cy="3423960"/>
           </a:xfrm>
           <a:prstGeom prst="rect">
             <a:avLst/>
@@ -3420,7 +3420,7 @@
         <p:spPr>
           <a:xfrm>
             <a:off x="685800" y="4343400"/>
-            <a:ext cx="5481720" cy="4110120"/>
+            <a:ext cx="5481360" cy="4109760"/>
           </a:xfrm>
           <a:prstGeom prst="rect">
             <a:avLst/>
@@ -3454,7 +3454,7 @@
         <p:spPr>
           <a:xfrm>
             <a:off x="3884760" y="8685360"/>
-            <a:ext cx="2967120" cy="452520"/>
+            <a:ext cx="2966760" cy="452160"/>
           </a:xfrm>
           <a:prstGeom prst="rect">
             <a:avLst/>
@@ -3490,7 +3490,7 @@
               </a:lnSpc>
               <a:buNone/>
             </a:pPr>
-            <a:fld id="{51079055-032C-4876-B224-40A62701437B}" type="slidenum">
+            <a:fld id="{042CD367-1EDA-46D8-A84B-03236B4E7911}" type="slidenum">
               <a:rPr b="0" lang="en-US" sz="1200" spc="-1" strike="noStrike">
                 <a:solidFill>
                   <a:srgbClr val="000000"/>
@@ -3541,7 +3541,7 @@
         <p:spPr>
           <a:xfrm>
             <a:off x="380880" y="685800"/>
-            <a:ext cx="6091200" cy="3424320"/>
+            <a:ext cx="6090840" cy="3423960"/>
           </a:xfrm>
           <a:prstGeom prst="rect">
             <a:avLst/>
@@ -3564,7 +3564,7 @@
         <p:spPr>
           <a:xfrm>
             <a:off x="685800" y="4343400"/>
-            <a:ext cx="5481720" cy="4110120"/>
+            <a:ext cx="5481360" cy="4109760"/>
           </a:xfrm>
           <a:prstGeom prst="rect">
             <a:avLst/>
@@ -3598,7 +3598,7 @@
         <p:spPr>
           <a:xfrm>
             <a:off x="3884760" y="8685360"/>
-            <a:ext cx="2967120" cy="452520"/>
+            <a:ext cx="2966760" cy="452160"/>
           </a:xfrm>
           <a:prstGeom prst="rect">
             <a:avLst/>
@@ -3634,7 +3634,7 @@
               </a:lnSpc>
               <a:buNone/>
             </a:pPr>
-            <a:fld id="{BED3133D-313A-49B4-B0ED-F03666B05C54}" type="slidenum">
+            <a:fld id="{F34801B9-2FC5-4429-A2EE-5792782A7598}" type="slidenum">
               <a:rPr b="0" lang="en-US" sz="1200" spc="-1" strike="noStrike">
                 <a:solidFill>
                   <a:srgbClr val="000000"/>
@@ -3685,7 +3685,7 @@
         <p:spPr>
           <a:xfrm>
             <a:off x="380880" y="685800"/>
-            <a:ext cx="6091200" cy="3424320"/>
+            <a:ext cx="6090840" cy="3423960"/>
           </a:xfrm>
           <a:prstGeom prst="rect">
             <a:avLst/>
@@ -3708,7 +3708,7 @@
         <p:spPr>
           <a:xfrm>
             <a:off x="685800" y="4343400"/>
-            <a:ext cx="5481720" cy="4110120"/>
+            <a:ext cx="5481360" cy="4109760"/>
           </a:xfrm>
           <a:prstGeom prst="rect">
             <a:avLst/>
@@ -3742,7 +3742,7 @@
         <p:spPr>
           <a:xfrm>
             <a:off x="3884760" y="8685360"/>
-            <a:ext cx="2967120" cy="452520"/>
+            <a:ext cx="2966760" cy="452160"/>
           </a:xfrm>
           <a:prstGeom prst="rect">
             <a:avLst/>
@@ -3778,7 +3778,7 @@
               </a:lnSpc>
               <a:buNone/>
             </a:pPr>
-            <a:fld id="{F941ADFF-2441-4EB0-BC2D-98344FDB5BC1}" type="slidenum">
+            <a:fld id="{159CE5B7-E865-4206-A08E-55EBA2DFB923}" type="slidenum">
               <a:rPr b="0" lang="en-US" sz="1200" spc="-1" strike="noStrike">
                 <a:solidFill>
                   <a:srgbClr val="000000"/>
@@ -3829,7 +3829,7 @@
         <p:spPr>
           <a:xfrm>
             <a:off x="380880" y="685800"/>
-            <a:ext cx="6091200" cy="3424320"/>
+            <a:ext cx="6090840" cy="3423960"/>
           </a:xfrm>
           <a:prstGeom prst="rect">
             <a:avLst/>
@@ -3852,7 +3852,7 @@
         <p:spPr>
           <a:xfrm>
             <a:off x="685800" y="4343400"/>
-            <a:ext cx="5481720" cy="4110120"/>
+            <a:ext cx="5481360" cy="4109760"/>
           </a:xfrm>
           <a:prstGeom prst="rect">
             <a:avLst/>
@@ -3886,7 +3886,7 @@
         <p:spPr>
           <a:xfrm>
             <a:off x="3884760" y="8685360"/>
-            <a:ext cx="2967120" cy="452520"/>
+            <a:ext cx="2966760" cy="452160"/>
           </a:xfrm>
           <a:prstGeom prst="rect">
             <a:avLst/>
@@ -3922,7 +3922,7 @@
               </a:lnSpc>
               <a:buNone/>
             </a:pPr>
-            <a:fld id="{B5AC20A0-A74E-4336-A025-D3510D207154}" type="slidenum">
+            <a:fld id="{DA8D6F6D-EEB8-4FB5-B977-950595078686}" type="slidenum">
               <a:rPr b="0" lang="en-US" sz="1200" spc="-1" strike="noStrike">
                 <a:solidFill>
                   <a:srgbClr val="000000"/>
@@ -3973,7 +3973,7 @@
         <p:spPr>
           <a:xfrm>
             <a:off x="380880" y="685800"/>
-            <a:ext cx="6091200" cy="3424320"/>
+            <a:ext cx="6090840" cy="3423960"/>
           </a:xfrm>
           <a:prstGeom prst="rect">
             <a:avLst/>
@@ -3996,7 +3996,7 @@
         <p:spPr>
           <a:xfrm>
             <a:off x="685800" y="4343400"/>
-            <a:ext cx="5481720" cy="4110120"/>
+            <a:ext cx="5481360" cy="4109760"/>
           </a:xfrm>
           <a:prstGeom prst="rect">
             <a:avLst/>
@@ -4030,7 +4030,7 @@
         <p:spPr>
           <a:xfrm>
             <a:off x="3884760" y="8685360"/>
-            <a:ext cx="2967120" cy="452520"/>
+            <a:ext cx="2966760" cy="452160"/>
           </a:xfrm>
           <a:prstGeom prst="rect">
             <a:avLst/>
@@ -4066,7 +4066,7 @@
               </a:lnSpc>
               <a:buNone/>
             </a:pPr>
-            <a:fld id="{6D0B08A9-4C51-4D5B-B745-3466078EB4F7}" type="slidenum">
+            <a:fld id="{001F95D6-1120-4146-8DBC-E05AEE0AA41E}" type="slidenum">
               <a:rPr b="0" lang="en-US" sz="1200" spc="-1" strike="noStrike">
                 <a:solidFill>
                   <a:srgbClr val="000000"/>
@@ -4117,7 +4117,7 @@
         <p:spPr>
           <a:xfrm>
             <a:off x="380880" y="685800"/>
-            <a:ext cx="6091200" cy="3424320"/>
+            <a:ext cx="6090840" cy="3423960"/>
           </a:xfrm>
           <a:prstGeom prst="rect">
             <a:avLst/>
@@ -4140,7 +4140,7 @@
         <p:spPr>
           <a:xfrm>
             <a:off x="685800" y="4343400"/>
-            <a:ext cx="5481720" cy="4110120"/>
+            <a:ext cx="5481360" cy="4109760"/>
           </a:xfrm>
           <a:prstGeom prst="rect">
             <a:avLst/>
@@ -4174,7 +4174,7 @@
         <p:spPr>
           <a:xfrm>
             <a:off x="3884760" y="8685360"/>
-            <a:ext cx="2967120" cy="452520"/>
+            <a:ext cx="2966760" cy="452160"/>
           </a:xfrm>
           <a:prstGeom prst="rect">
             <a:avLst/>
@@ -4210,7 +4210,7 @@
               </a:lnSpc>
               <a:buNone/>
             </a:pPr>
-            <a:fld id="{7DC87816-EC4A-4F27-9002-C98D2168182D}" type="slidenum">
+            <a:fld id="{A2C3EEFF-BBF8-4062-8275-A45431915FBA}" type="slidenum">
               <a:rPr b="0" lang="en-US" sz="1200" spc="-1" strike="noStrike">
                 <a:solidFill>
                   <a:srgbClr val="000000"/>
@@ -4261,7 +4261,7 @@
         <p:spPr>
           <a:xfrm>
             <a:off x="380880" y="685800"/>
-            <a:ext cx="6091200" cy="3424320"/>
+            <a:ext cx="6090840" cy="3423960"/>
           </a:xfrm>
           <a:prstGeom prst="rect">
             <a:avLst/>
@@ -4284,7 +4284,7 @@
         <p:spPr>
           <a:xfrm>
             <a:off x="685800" y="4343400"/>
-            <a:ext cx="5481720" cy="4110120"/>
+            <a:ext cx="5481360" cy="4109760"/>
           </a:xfrm>
           <a:prstGeom prst="rect">
             <a:avLst/>
@@ -4318,7 +4318,7 @@
         <p:spPr>
           <a:xfrm>
             <a:off x="3884760" y="8685360"/>
-            <a:ext cx="2967120" cy="452520"/>
+            <a:ext cx="2966760" cy="452160"/>
           </a:xfrm>
           <a:prstGeom prst="rect">
             <a:avLst/>
@@ -4354,7 +4354,7 @@
               </a:lnSpc>
               <a:buNone/>
             </a:pPr>
-            <a:fld id="{5C60C2FC-8717-4E0E-810F-362FDD31D39F}" type="slidenum">
+            <a:fld id="{2158617C-5988-43C8-AFB6-2D9F06DAC26B}" type="slidenum">
               <a:rPr b="0" lang="en-US" sz="1200" spc="-1" strike="noStrike">
                 <a:solidFill>
                   <a:srgbClr val="000000"/>
@@ -4405,7 +4405,7 @@
         <p:spPr>
           <a:xfrm>
             <a:off x="380880" y="685800"/>
-            <a:ext cx="6091200" cy="3424320"/>
+            <a:ext cx="6090840" cy="3423960"/>
           </a:xfrm>
           <a:prstGeom prst="rect">
             <a:avLst/>
@@ -4428,7 +4428,7 @@
         <p:spPr>
           <a:xfrm>
             <a:off x="685800" y="4343400"/>
-            <a:ext cx="5481720" cy="4110120"/>
+            <a:ext cx="5481360" cy="4109760"/>
           </a:xfrm>
           <a:prstGeom prst="rect">
             <a:avLst/>
@@ -4462,7 +4462,7 @@
         <p:spPr>
           <a:xfrm>
             <a:off x="3884760" y="8685360"/>
-            <a:ext cx="2967120" cy="452520"/>
+            <a:ext cx="2966760" cy="452160"/>
           </a:xfrm>
           <a:prstGeom prst="rect">
             <a:avLst/>
@@ -4498,7 +4498,7 @@
               </a:lnSpc>
               <a:buNone/>
             </a:pPr>
-            <a:fld id="{F01DB145-6FCD-479F-B904-375B3A677335}" type="slidenum">
+            <a:fld id="{E4C2DCE6-5BC4-479E-8BF5-68626AD4CB3C}" type="slidenum">
               <a:rPr b="0" lang="en-US" sz="1200" spc="-1" strike="noStrike">
                 <a:solidFill>
                   <a:srgbClr val="000000"/>
@@ -4549,7 +4549,7 @@
         <p:spPr>
           <a:xfrm>
             <a:off x="380880" y="685800"/>
-            <a:ext cx="6091200" cy="3424320"/>
+            <a:ext cx="6090840" cy="3423960"/>
           </a:xfrm>
           <a:prstGeom prst="rect">
             <a:avLst/>
@@ -4572,7 +4572,7 @@
         <p:spPr>
           <a:xfrm>
             <a:off x="685800" y="4343400"/>
-            <a:ext cx="5481720" cy="4110120"/>
+            <a:ext cx="5481360" cy="4109760"/>
           </a:xfrm>
           <a:prstGeom prst="rect">
             <a:avLst/>
@@ -4606,7 +4606,7 @@
         <p:spPr>
           <a:xfrm>
             <a:off x="3884760" y="8685360"/>
-            <a:ext cx="2967120" cy="452520"/>
+            <a:ext cx="2966760" cy="452160"/>
           </a:xfrm>
           <a:prstGeom prst="rect">
             <a:avLst/>
@@ -4642,7 +4642,7 @@
               </a:lnSpc>
               <a:buNone/>
             </a:pPr>
-            <a:fld id="{11883730-241A-46BC-95EE-CFAD46DF11FD}" type="slidenum">
+            <a:fld id="{91B6B567-B58A-4373-8D42-FDB7C2CBEFFC}" type="slidenum">
               <a:rPr b="0" lang="en-US" sz="1200" spc="-1" strike="noStrike">
                 <a:solidFill>
                   <a:srgbClr val="000000"/>
@@ -4693,7 +4693,7 @@
         <p:spPr>
           <a:xfrm>
             <a:off x="380880" y="685800"/>
-            <a:ext cx="6091200" cy="3424320"/>
+            <a:ext cx="6090840" cy="3423960"/>
           </a:xfrm>
           <a:prstGeom prst="rect">
             <a:avLst/>
@@ -4716,7 +4716,7 @@
         <p:spPr>
           <a:xfrm>
             <a:off x="685800" y="4343400"/>
-            <a:ext cx="5481720" cy="4110120"/>
+            <a:ext cx="5481360" cy="4109760"/>
           </a:xfrm>
           <a:prstGeom prst="rect">
             <a:avLst/>
@@ -4750,7 +4750,7 @@
         <p:spPr>
           <a:xfrm>
             <a:off x="3884760" y="8685360"/>
-            <a:ext cx="2967120" cy="452520"/>
+            <a:ext cx="2966760" cy="452160"/>
           </a:xfrm>
           <a:prstGeom prst="rect">
             <a:avLst/>
@@ -4786,7 +4786,7 @@
               </a:lnSpc>
               <a:buNone/>
             </a:pPr>
-            <a:fld id="{B31BF247-7091-4294-BCE1-5F4F7643BE92}" type="slidenum">
+            <a:fld id="{20A63118-E87A-4B46-9237-A36C06204A24}" type="slidenum">
               <a:rPr b="0" lang="en-US" sz="1200" spc="-1" strike="noStrike">
                 <a:solidFill>
                   <a:srgbClr val="000000"/>
@@ -4837,7 +4837,7 @@
         <p:spPr>
           <a:xfrm>
             <a:off x="380880" y="685800"/>
-            <a:ext cx="6091200" cy="3424320"/>
+            <a:ext cx="6090840" cy="3423960"/>
           </a:xfrm>
           <a:prstGeom prst="rect">
             <a:avLst/>
@@ -4860,7 +4860,7 @@
         <p:spPr>
           <a:xfrm>
             <a:off x="685800" y="4343400"/>
-            <a:ext cx="5481720" cy="4110120"/>
+            <a:ext cx="5481360" cy="4109760"/>
           </a:xfrm>
           <a:prstGeom prst="rect">
             <a:avLst/>
@@ -4894,7 +4894,7 @@
         <p:spPr>
           <a:xfrm>
             <a:off x="3884760" y="8685360"/>
-            <a:ext cx="2967120" cy="452520"/>
+            <a:ext cx="2966760" cy="452160"/>
           </a:xfrm>
           <a:prstGeom prst="rect">
             <a:avLst/>
@@ -4930,7 +4930,7 @@
               </a:lnSpc>
               <a:buNone/>
             </a:pPr>
-            <a:fld id="{CD030AF2-1EEB-4E70-B42F-DFF131FEBA80}" type="slidenum">
+            <a:fld id="{4F0E8CE5-1F9D-4A42-8872-5D1EF23A5A31}" type="slidenum">
               <a:rPr b="0" lang="en-US" sz="1200" spc="-1" strike="noStrike">
                 <a:solidFill>
                   <a:srgbClr val="000000"/>
@@ -4981,7 +4981,7 @@
         <p:spPr>
           <a:xfrm>
             <a:off x="380880" y="685800"/>
-            <a:ext cx="6091200" cy="3424320"/>
+            <a:ext cx="6090840" cy="3423960"/>
           </a:xfrm>
           <a:prstGeom prst="rect">
             <a:avLst/>
@@ -5004,7 +5004,7 @@
         <p:spPr>
           <a:xfrm>
             <a:off x="685800" y="4343400"/>
-            <a:ext cx="5481720" cy="4110120"/>
+            <a:ext cx="5481360" cy="4109760"/>
           </a:xfrm>
           <a:prstGeom prst="rect">
             <a:avLst/>
@@ -5038,7 +5038,7 @@
         <p:spPr>
           <a:xfrm>
             <a:off x="3884760" y="8685360"/>
-            <a:ext cx="2967120" cy="452520"/>
+            <a:ext cx="2966760" cy="452160"/>
           </a:xfrm>
           <a:prstGeom prst="rect">
             <a:avLst/>
@@ -5074,7 +5074,7 @@
               </a:lnSpc>
               <a:buNone/>
             </a:pPr>
-            <a:fld id="{5AF48B9A-E668-4FC9-B36B-15D7B30D366E}" type="slidenum">
+            <a:fld id="{7EFA8EB1-0050-4862-999C-F2FB0749B8F6}" type="slidenum">
               <a:rPr b="0" lang="en-US" sz="1200" spc="-1" strike="noStrike">
                 <a:solidFill>
                   <a:srgbClr val="000000"/>
@@ -5125,7 +5125,7 @@
         <p:spPr>
           <a:xfrm>
             <a:off x="380880" y="685800"/>
-            <a:ext cx="6091200" cy="3424320"/>
+            <a:ext cx="6090840" cy="3423960"/>
           </a:xfrm>
           <a:prstGeom prst="rect">
             <a:avLst/>
@@ -5148,7 +5148,7 @@
         <p:spPr>
           <a:xfrm>
             <a:off x="685800" y="4343400"/>
-            <a:ext cx="5481720" cy="4110120"/>
+            <a:ext cx="5481360" cy="4109760"/>
           </a:xfrm>
           <a:prstGeom prst="rect">
             <a:avLst/>
@@ -5182,7 +5182,7 @@
         <p:spPr>
           <a:xfrm>
             <a:off x="3884760" y="8685360"/>
-            <a:ext cx="2967120" cy="452520"/>
+            <a:ext cx="2966760" cy="452160"/>
           </a:xfrm>
           <a:prstGeom prst="rect">
             <a:avLst/>
@@ -5218,7 +5218,7 @@
               </a:lnSpc>
               <a:buNone/>
             </a:pPr>
-            <a:fld id="{1AD0C3C2-8B1B-4BED-8821-FDAFD7FF0AD0}" type="slidenum">
+            <a:fld id="{38BD723B-69E3-491A-A602-C85534B09D5A}" type="slidenum">
               <a:rPr b="0" lang="en-US" sz="1200" spc="-1" strike="noStrike">
                 <a:solidFill>
                   <a:srgbClr val="000000"/>
@@ -5290,7 +5290,7 @@
         <p:txBody>
           <a:bodyPr/>
           <a:p>
-            <a:fld id="{7DF2FCE5-48F4-4916-A9E8-D0365386E25D}" type="slidenum">
+            <a:fld id="{3637CB26-24F0-4D5D-A43A-CD4E62716417}" type="slidenum">
               <a:t>&lt;#&gt;</a:t>
             </a:fld>
           </a:p>
@@ -5478,7 +5478,7 @@
         <p:txBody>
           <a:bodyPr/>
           <a:p>
-            <a:fld id="{3D48ABA9-FA32-4373-8083-174D744C7E72}" type="slidenum">
+            <a:fld id="{E26620C8-1660-48B7-A4D3-53F399940773}" type="slidenum">
               <a:t>&lt;#&gt;</a:t>
             </a:fld>
           </a:p>
@@ -5734,7 +5734,7 @@
         <p:txBody>
           <a:bodyPr/>
           <a:p>
-            <a:fld id="{6B57B3D7-19FF-47C1-9574-BAB08904AD47}" type="slidenum">
+            <a:fld id="{2F7D6B38-448A-400D-AF3A-3E9CD0173E0A}" type="slidenum">
               <a:t>&lt;#&gt;</a:t>
             </a:fld>
           </a:p>
@@ -6058,7 +6058,7 @@
         <p:txBody>
           <a:bodyPr/>
           <a:p>
-            <a:fld id="{483F351A-735B-41BD-8018-326CB80886E4}" type="slidenum">
+            <a:fld id="{A8562658-EF1E-455A-8E46-932684194A56}" type="slidenum">
               <a:t>&lt;#&gt;</a:t>
             </a:fld>
           </a:p>
@@ -6215,7 +6215,7 @@
         <p:txBody>
           <a:bodyPr/>
           <a:p>
-            <a:fld id="{0CCE6865-EDFD-4AB5-8752-3AD0BEED934B}" type="slidenum">
+            <a:fld id="{13CB9B69-6164-4A01-9BDE-7915C36C3E88}" type="slidenum">
               <a:t>&lt;#&gt;</a:t>
             </a:fld>
           </a:p>
@@ -6369,7 +6369,7 @@
         <p:txBody>
           <a:bodyPr/>
           <a:p>
-            <a:fld id="{7A11A1B1-7635-48BE-993A-3F67199899F3}" type="slidenum">
+            <a:fld id="{B99C8042-9A60-41B2-A53C-1331944D3FE3}" type="slidenum">
               <a:t>&lt;#&gt;</a:t>
             </a:fld>
           </a:p>
@@ -6557,7 +6557,7 @@
         <p:txBody>
           <a:bodyPr/>
           <a:p>
-            <a:fld id="{81D86981-97BD-4DB6-9CFD-1B3DFA82A46C}" type="slidenum">
+            <a:fld id="{0D2F92B2-A898-495F-ABEE-C8256CA8A309}" type="slidenum">
               <a:t>&lt;#&gt;</a:t>
             </a:fld>
           </a:p>
@@ -6677,7 +6677,7 @@
         <p:txBody>
           <a:bodyPr/>
           <a:p>
-            <a:fld id="{9275C52B-1D80-4521-8E83-D7C435209DF8}" type="slidenum">
+            <a:fld id="{0B1E6F0B-1509-4CF9-8AEA-B57902BAD02A}" type="slidenum">
               <a:t>&lt;#&gt;</a:t>
             </a:fld>
           </a:p>
@@ -6797,7 +6797,7 @@
         <p:txBody>
           <a:bodyPr/>
           <a:p>
-            <a:fld id="{744FC13B-BF21-41EE-B186-160242E1135E}" type="slidenum">
+            <a:fld id="{57DDE7C9-C74B-4C3B-BDDA-CAD485978B80}" type="slidenum">
               <a:t>&lt;#&gt;</a:t>
             </a:fld>
           </a:p>
@@ -7019,7 +7019,7 @@
         <p:txBody>
           <a:bodyPr/>
           <a:p>
-            <a:fld id="{6859488E-B2C4-4C9D-A468-FF4FA22B9F3C}" type="slidenum">
+            <a:fld id="{CAC41EC0-0C5D-4D65-95A9-24785A2C7E0F}" type="slidenum">
               <a:t>&lt;#&gt;</a:t>
             </a:fld>
           </a:p>
@@ -7241,7 +7241,7 @@
         <p:txBody>
           <a:bodyPr/>
           <a:p>
-            <a:fld id="{B1CCD42C-151E-486B-98C3-AFD3C8A68DCB}" type="slidenum">
+            <a:fld id="{F8566D5D-07AA-4E5F-908B-DBA0A19532DD}" type="slidenum">
               <a:t>&lt;#&gt;</a:t>
             </a:fld>
           </a:p>
@@ -7463,7 +7463,7 @@
         <p:txBody>
           <a:bodyPr/>
           <a:p>
-            <a:fld id="{97C37003-60F0-4904-8AC6-51FDD0C4D236}" type="slidenum">
+            <a:fld id="{EC03FDB7-E4B2-441B-ADEC-E354FF4DF94F}" type="slidenum">
               <a:t>&lt;#&gt;</a:t>
             </a:fld>
           </a:p>
@@ -7532,7 +7532,7 @@
         <p:spPr>
           <a:xfrm>
             <a:off x="3028680" y="4771440"/>
-            <a:ext cx="3081960" cy="270000"/>
+            <a:ext cx="3081600" cy="269640"/>
           </a:xfrm>
           <a:prstGeom prst="rect">
             <a:avLst/>
@@ -7576,7 +7576,7 @@
                 <a:latin typeface="Times New Roman"/>
                 <a:ea typeface="DejaVu Sans"/>
               </a:rPr>
-              <a:t> </a:t>
+              <a:t>&lt;footer&gt;</a:t>
             </a:r>
             <a:endParaRPr b="0" lang="en-US" sz="1400" spc="-1" strike="noStrike">
               <a:latin typeface="Times New Roman"/>
@@ -7597,7 +7597,7 @@
         <p:spPr>
           <a:xfrm>
             <a:off x="6457680" y="4771440"/>
-            <a:ext cx="2053440" cy="270000"/>
+            <a:ext cx="2053080" cy="269640"/>
           </a:xfrm>
           <a:prstGeom prst="rect">
             <a:avLst/>
@@ -7633,7 +7633,7 @@
               </a:lnSpc>
               <a:buNone/>
             </a:pPr>
-            <a:fld id="{2EB62715-5F36-4654-9375-3F69662E33BE}" type="slidenum">
+            <a:fld id="{C6622FDF-E1F8-476F-A779-F21C35C43359}" type="slidenum">
               <a:rPr b="0" lang="en-US" sz="1200" spc="-1" strike="noStrike">
                 <a:solidFill>
                   <a:srgbClr val="8b8b8b"/>
@@ -7641,7 +7641,7 @@
                 <a:latin typeface="Calibri"/>
                 <a:ea typeface="DejaVu Sans"/>
               </a:rPr>
-              <a:t>33</a:t>
+              <a:t>&lt;number&gt;</a:t>
             </a:fld>
             <a:endParaRPr b="0" lang="en-US" sz="1200" spc="-1" strike="noStrike">
               <a:latin typeface="Times New Roman"/>
@@ -7662,7 +7662,7 @@
         <p:spPr>
           <a:xfrm>
             <a:off x="628200" y="4771440"/>
-            <a:ext cx="2053440" cy="270000"/>
+            <a:ext cx="2053080" cy="269640"/>
           </a:xfrm>
           <a:prstGeom prst="rect">
             <a:avLst/>
@@ -7688,7 +7688,7 @@
               <a:rPr b="0" lang="en-US" sz="1400" spc="-1" strike="noStrike">
                 <a:latin typeface="Times New Roman"/>
               </a:rPr>
-              <a:t> </a:t>
+              <a:t>&lt;date/time&gt;</a:t>
             </a:r>
             <a:endParaRPr b="0" lang="en-US" sz="1400" spc="-1" strike="noStrike">
               <a:latin typeface="Times New Roman"/>
@@ -7974,8 +7974,8 @@
         </p:nvSpPr>
         <p:spPr>
           <a:xfrm rot="2744400">
-            <a:off x="-280800" y="-25560"/>
-            <a:ext cx="704160" cy="703800"/>
+            <a:off x="-280080" y="-25560"/>
+            <a:ext cx="703800" cy="703440"/>
           </a:xfrm>
           <a:prstGeom prst="roundRect">
             <a:avLst>
@@ -8012,8 +8012,8 @@
         </p:nvSpPr>
         <p:spPr>
           <a:xfrm rot="2625600">
-            <a:off x="6024960" y="4332960"/>
-            <a:ext cx="468000" cy="468000"/>
+            <a:off x="6024960" y="4332600"/>
+            <a:ext cx="467640" cy="467640"/>
           </a:xfrm>
           <a:prstGeom prst="roundRect">
             <a:avLst>
@@ -8051,7 +8051,7 @@
         <p:spPr>
           <a:xfrm rot="18679200">
             <a:off x="7003440" y="948600"/>
-            <a:ext cx="4939560" cy="4665960"/>
+            <a:ext cx="4939200" cy="4665600"/>
           </a:xfrm>
           <a:prstGeom prst="roundRect">
             <a:avLst>
@@ -8089,7 +8089,7 @@
         <p:spPr>
           <a:xfrm>
             <a:off x="459720" y="4671360"/>
-            <a:ext cx="2995200" cy="266040"/>
+            <a:ext cx="2994840" cy="265680"/>
           </a:xfrm>
           <a:prstGeom prst="rect">
             <a:avLst/>
@@ -8154,8 +8154,8 @@
         </p:blipFill>
         <p:spPr>
           <a:xfrm>
-            <a:off x="2423160" y="4671720"/>
-            <a:ext cx="287640" cy="287640"/>
+            <a:off x="3035160" y="4743720"/>
+            <a:ext cx="287280" cy="287280"/>
           </a:xfrm>
           <a:prstGeom prst="rect">
             <a:avLst/>
@@ -8174,7 +8174,7 @@
         <p:spPr>
           <a:xfrm>
             <a:off x="484920" y="1681560"/>
-            <a:ext cx="5480640" cy="1882080"/>
+            <a:ext cx="5480280" cy="1881720"/>
           </a:xfrm>
           <a:prstGeom prst="rect">
             <a:avLst/>
@@ -8262,8 +8262,8 @@
         </p:nvSpPr>
         <p:spPr>
           <a:xfrm rot="2744400">
-            <a:off x="-280800" y="-25560"/>
-            <a:ext cx="704160" cy="703800"/>
+            <a:off x="-280080" y="-25560"/>
+            <a:ext cx="703800" cy="703440"/>
           </a:xfrm>
           <a:prstGeom prst="roundRect">
             <a:avLst>
@@ -8300,8 +8300,8 @@
         </p:nvSpPr>
         <p:spPr>
           <a:xfrm rot="2332200">
-            <a:off x="6009480" y="-319680"/>
-            <a:ext cx="4855320" cy="7726320"/>
+            <a:off x="6009120" y="-319680"/>
+            <a:ext cx="4854960" cy="7725960"/>
           </a:xfrm>
           <a:prstGeom prst="roundRect">
             <a:avLst>
@@ -8339,9 +8339,9 @@
         <p:grpSpPr>
           <a:xfrm>
             <a:off x="4571640" y="828000"/>
-            <a:ext cx="4467960" cy="3564000"/>
+            <a:ext cx="4467600" cy="3563640"/>
             <a:chOff x="4571640" y="828000"/>
-            <a:chExt cx="4467960" cy="3564000"/>
+            <a:chExt cx="4467600" cy="3563640"/>
           </a:xfrm>
         </p:grpSpPr>
         <p:pic>
@@ -8357,7 +8357,7 @@
           <p:spPr>
             <a:xfrm>
               <a:off x="4571640" y="828000"/>
-              <a:ext cx="4467960" cy="3564000"/>
+              <a:ext cx="4467600" cy="3563640"/>
             </a:xfrm>
             <a:prstGeom prst="rect">
               <a:avLst/>
@@ -8375,8 +8375,8 @@
           </p:nvSpPr>
           <p:spPr>
             <a:xfrm rot="16200000">
-              <a:off x="5962680" y="1159200"/>
-              <a:ext cx="1737000" cy="2770920"/>
+              <a:off x="5962680" y="1159560"/>
+              <a:ext cx="1736640" cy="2770560"/>
             </a:xfrm>
             <a:prstGeom prst="roundRect">
               <a:avLst>
@@ -8443,7 +8443,7 @@
         <p:spPr>
           <a:xfrm>
             <a:off x="5446080" y="1672200"/>
-            <a:ext cx="2770560" cy="1737000"/>
+            <a:ext cx="2770200" cy="1736640"/>
           </a:xfrm>
           <a:prstGeom prst="rect">
             <a:avLst/>
@@ -8495,7 +8495,7 @@
         <p:spPr>
           <a:xfrm>
             <a:off x="586440" y="1246680"/>
-            <a:ext cx="4003920" cy="3599640"/>
+            <a:ext cx="4003560" cy="3599280"/>
           </a:xfrm>
           <a:prstGeom prst="rect">
             <a:avLst/>
@@ -8547,7 +8547,7 @@
         <p:spPr>
           <a:xfrm>
             <a:off x="586440" y="453960"/>
-            <a:ext cx="4763880" cy="855000"/>
+            <a:ext cx="4763520" cy="854640"/>
           </a:xfrm>
           <a:prstGeom prst="rect">
             <a:avLst/>
@@ -8636,7 +8636,7 @@
         <p:spPr>
           <a:xfrm rot="2745600">
             <a:off x="8349840" y="-668160"/>
-            <a:ext cx="1497960" cy="1497960"/>
+            <a:ext cx="1497600" cy="1497600"/>
           </a:xfrm>
           <a:prstGeom prst="roundRect">
             <a:avLst>
@@ -8674,7 +8674,7 @@
         <p:spPr>
           <a:xfrm rot="2745600">
             <a:off x="7634160" y="-322200"/>
-            <a:ext cx="806760" cy="807120"/>
+            <a:ext cx="806400" cy="806760"/>
           </a:xfrm>
           <a:prstGeom prst="roundRect">
             <a:avLst>
@@ -8713,7 +8713,7 @@
         <p:spPr>
           <a:xfrm>
             <a:off x="586440" y="899640"/>
-            <a:ext cx="7931520" cy="1536840"/>
+            <a:ext cx="7931160" cy="1536480"/>
           </a:xfrm>
           <a:prstGeom prst="rect">
             <a:avLst/>
@@ -8765,7 +8765,7 @@
         <p:spPr>
           <a:xfrm>
             <a:off x="608040" y="2545560"/>
-            <a:ext cx="3711960" cy="2255400"/>
+            <a:ext cx="3711600" cy="2255040"/>
           </a:xfrm>
           <a:prstGeom prst="rect">
             <a:avLst/>
@@ -8817,7 +8817,7 @@
         <p:spPr>
           <a:xfrm>
             <a:off x="4806360" y="2545560"/>
-            <a:ext cx="3711960" cy="2255400"/>
+            <a:ext cx="3711600" cy="2255040"/>
           </a:xfrm>
           <a:prstGeom prst="rect">
             <a:avLst/>
@@ -8869,7 +8869,7 @@
         <p:spPr>
           <a:xfrm>
             <a:off x="583200" y="450720"/>
-            <a:ext cx="7197840" cy="511920"/>
+            <a:ext cx="7197480" cy="511560"/>
           </a:xfrm>
           <a:prstGeom prst="rect">
             <a:avLst/>
@@ -8951,7 +8951,7 @@
         <p:spPr>
           <a:xfrm>
             <a:off x="586440" y="1246680"/>
-            <a:ext cx="4003920" cy="3599640"/>
+            <a:ext cx="4003560" cy="3599280"/>
           </a:xfrm>
           <a:prstGeom prst="rect">
             <a:avLst/>
@@ -9003,7 +9003,7 @@
         <p:spPr>
           <a:xfrm>
             <a:off x="559800" y="446040"/>
-            <a:ext cx="4283280" cy="683280"/>
+            <a:ext cx="4282920" cy="682920"/>
           </a:xfrm>
           <a:prstGeom prst="rect">
             <a:avLst/>
@@ -9055,7 +9055,7 @@
         <p:spPr>
           <a:xfrm>
             <a:off x="5097600" y="360"/>
-            <a:ext cx="4379400" cy="5143680"/>
+            <a:ext cx="4379040" cy="5143320"/>
           </a:xfrm>
           <a:prstGeom prst="roundRect">
             <a:avLst>
@@ -9120,8 +9120,8 @@
         </p:nvSpPr>
         <p:spPr>
           <a:xfrm rot="2744400">
-            <a:off x="-280800" y="-25560"/>
-            <a:ext cx="704160" cy="703800"/>
+            <a:off x="-280080" y="-25560"/>
+            <a:ext cx="703800" cy="703440"/>
           </a:xfrm>
           <a:prstGeom prst="roundRect">
             <a:avLst>
@@ -9158,8 +9158,8 @@
         </p:nvSpPr>
         <p:spPr>
           <a:xfrm rot="2625600">
-            <a:off x="4861080" y="4146840"/>
-            <a:ext cx="468000" cy="468000"/>
+            <a:off x="4861080" y="4146480"/>
+            <a:ext cx="467640" cy="467640"/>
           </a:xfrm>
           <a:prstGeom prst="roundRect">
             <a:avLst>
@@ -9233,8 +9233,8 @@
         </p:nvSpPr>
         <p:spPr>
           <a:xfrm rot="2744400">
-            <a:off x="-349920" y="4539960"/>
-            <a:ext cx="704160" cy="703800"/>
+            <a:off x="-349200" y="4539600"/>
+            <a:ext cx="703800" cy="703440"/>
           </a:xfrm>
           <a:prstGeom prst="roundRect">
             <a:avLst>
@@ -9271,8 +9271,8 @@
         </p:nvSpPr>
         <p:spPr>
           <a:xfrm rot="19228200">
-            <a:off x="5846040" y="-2266200"/>
-            <a:ext cx="4854960" cy="7725960"/>
+            <a:off x="5845680" y="-2265840"/>
+            <a:ext cx="4854600" cy="7725600"/>
           </a:xfrm>
           <a:prstGeom prst="roundRect">
             <a:avLst>
@@ -9310,9 +9310,9 @@
         <p:grpSpPr>
           <a:xfrm>
             <a:off x="4571640" y="828000"/>
-            <a:ext cx="4467960" cy="3564000"/>
+            <a:ext cx="4467600" cy="3563640"/>
             <a:chOff x="4571640" y="828000"/>
-            <a:chExt cx="4467960" cy="3564000"/>
+            <a:chExt cx="4467600" cy="3563640"/>
           </a:xfrm>
         </p:grpSpPr>
         <p:pic>
@@ -9328,7 +9328,7 @@
           <p:spPr>
             <a:xfrm>
               <a:off x="4571640" y="828000"/>
-              <a:ext cx="4467960" cy="3564000"/>
+              <a:ext cx="4467600" cy="3563640"/>
             </a:xfrm>
             <a:prstGeom prst="rect">
               <a:avLst/>
@@ -9346,8 +9346,8 @@
           </p:nvSpPr>
           <p:spPr>
             <a:xfrm rot="16200000">
-              <a:off x="5962680" y="1159200"/>
-              <a:ext cx="1737000" cy="2770920"/>
+              <a:off x="5962680" y="1159560"/>
+              <a:ext cx="1736640" cy="2770560"/>
             </a:xfrm>
             <a:prstGeom prst="roundRect">
               <a:avLst>
@@ -9414,7 +9414,7 @@
         <p:spPr>
           <a:xfrm>
             <a:off x="586440" y="1246680"/>
-            <a:ext cx="4003920" cy="3599640"/>
+            <a:ext cx="4003560" cy="3599280"/>
           </a:xfrm>
           <a:prstGeom prst="rect">
             <a:avLst/>
@@ -9466,7 +9466,7 @@
         <p:spPr>
           <a:xfrm>
             <a:off x="5446080" y="1672200"/>
-            <a:ext cx="2779920" cy="1737000"/>
+            <a:ext cx="2779560" cy="1736640"/>
           </a:xfrm>
           <a:prstGeom prst="rect">
             <a:avLst/>
@@ -9518,7 +9518,7 @@
         <p:spPr>
           <a:xfrm>
             <a:off x="586440" y="453960"/>
-            <a:ext cx="3696480" cy="855000"/>
+            <a:ext cx="3696120" cy="854640"/>
           </a:xfrm>
           <a:prstGeom prst="rect">
             <a:avLst/>
@@ -9607,7 +9607,7 @@
         <p:spPr>
           <a:xfrm>
             <a:off x="4222080" y="1246680"/>
-            <a:ext cx="4114800" cy="3599640"/>
+            <a:ext cx="4114440" cy="3599280"/>
           </a:xfrm>
           <a:prstGeom prst="rect">
             <a:avLst/>
@@ -9658,8 +9658,8 @@
         </p:nvSpPr>
         <p:spPr>
           <a:xfrm rot="16200000">
-            <a:off x="-2181600" y="1733760"/>
-            <a:ext cx="5143680" cy="1683720"/>
+            <a:off x="-2181600" y="1734120"/>
+            <a:ext cx="5143320" cy="1683360"/>
           </a:xfrm>
           <a:prstGeom prst="roundRect">
             <a:avLst>
@@ -9697,7 +9697,7 @@
         <p:spPr>
           <a:xfrm rot="2745000">
             <a:off x="8575200" y="103320"/>
-            <a:ext cx="1132200" cy="1131840"/>
+            <a:ext cx="1131840" cy="1131480"/>
           </a:xfrm>
           <a:prstGeom prst="roundRect">
             <a:avLst>
@@ -9734,8 +9734,8 @@
         </p:nvSpPr>
         <p:spPr>
           <a:xfrm rot="16200000">
-            <a:off x="614880" y="919080"/>
-            <a:ext cx="3231720" cy="3313440"/>
+            <a:off x="614880" y="919440"/>
+            <a:ext cx="3231360" cy="3313080"/>
           </a:xfrm>
           <a:prstGeom prst="roundRect">
             <a:avLst>
@@ -9801,7 +9801,7 @@
         <p:spPr>
           <a:xfrm>
             <a:off x="4214160" y="456120"/>
-            <a:ext cx="4111560" cy="855000"/>
+            <a:ext cx="4111200" cy="854640"/>
           </a:xfrm>
           <a:prstGeom prst="rect">
             <a:avLst/>
@@ -9889,8 +9889,8 @@
         </p:nvSpPr>
         <p:spPr>
           <a:xfrm rot="2744400">
-            <a:off x="-280800" y="-25560"/>
-            <a:ext cx="704160" cy="703800"/>
+            <a:off x="-280080" y="-25560"/>
+            <a:ext cx="703800" cy="703440"/>
           </a:xfrm>
           <a:prstGeom prst="roundRect">
             <a:avLst>
@@ -9927,8 +9927,8 @@
         </p:nvSpPr>
         <p:spPr>
           <a:xfrm rot="2332200">
-            <a:off x="6009480" y="-319680"/>
-            <a:ext cx="4855320" cy="7726320"/>
+            <a:off x="6009120" y="-319680"/>
+            <a:ext cx="4854960" cy="7725960"/>
           </a:xfrm>
           <a:prstGeom prst="roundRect">
             <a:avLst>
@@ -9966,9 +9966,9 @@
         <p:grpSpPr>
           <a:xfrm>
             <a:off x="4571640" y="828000"/>
-            <a:ext cx="4467960" cy="3564000"/>
+            <a:ext cx="4467600" cy="3563640"/>
             <a:chOff x="4571640" y="828000"/>
-            <a:chExt cx="4467960" cy="3564000"/>
+            <a:chExt cx="4467600" cy="3563640"/>
           </a:xfrm>
         </p:grpSpPr>
         <p:pic>
@@ -9984,7 +9984,7 @@
           <p:spPr>
             <a:xfrm>
               <a:off x="4571640" y="828000"/>
-              <a:ext cx="4467960" cy="3564000"/>
+              <a:ext cx="4467600" cy="3563640"/>
             </a:xfrm>
             <a:prstGeom prst="rect">
               <a:avLst/>
@@ -10002,8 +10002,8 @@
           </p:nvSpPr>
           <p:spPr>
             <a:xfrm rot="16200000">
-              <a:off x="5962680" y="1159200"/>
-              <a:ext cx="1737000" cy="2770920"/>
+              <a:off x="5962680" y="1159560"/>
+              <a:ext cx="1736640" cy="2770560"/>
             </a:xfrm>
             <a:prstGeom prst="roundRect">
               <a:avLst>
@@ -10070,7 +10070,7 @@
         <p:spPr>
           <a:xfrm>
             <a:off x="5446080" y="1672200"/>
-            <a:ext cx="2770560" cy="1737000"/>
+            <a:ext cx="2770200" cy="1736640"/>
           </a:xfrm>
           <a:prstGeom prst="rect">
             <a:avLst/>
@@ -10122,7 +10122,7 @@
         <p:spPr>
           <a:xfrm>
             <a:off x="586440" y="1246680"/>
-            <a:ext cx="4003920" cy="3599640"/>
+            <a:ext cx="4003560" cy="3599280"/>
           </a:xfrm>
           <a:prstGeom prst="rect">
             <a:avLst/>
@@ -10174,7 +10174,7 @@
         <p:spPr>
           <a:xfrm>
             <a:off x="586440" y="453960"/>
-            <a:ext cx="4763880" cy="855000"/>
+            <a:ext cx="4763520" cy="854640"/>
           </a:xfrm>
           <a:prstGeom prst="rect">
             <a:avLst/>
@@ -10263,7 +10263,7 @@
         <p:spPr>
           <a:xfrm rot="2745600">
             <a:off x="8349840" y="-668160"/>
-            <a:ext cx="1497960" cy="1497960"/>
+            <a:ext cx="1497600" cy="1497600"/>
           </a:xfrm>
           <a:prstGeom prst="roundRect">
             <a:avLst>
@@ -10301,7 +10301,7 @@
         <p:spPr>
           <a:xfrm rot="2745600">
             <a:off x="7634160" y="-322200"/>
-            <a:ext cx="806760" cy="807120"/>
+            <a:ext cx="806400" cy="806760"/>
           </a:xfrm>
           <a:prstGeom prst="roundRect">
             <a:avLst>
@@ -10340,7 +10340,7 @@
         <p:spPr>
           <a:xfrm>
             <a:off x="586440" y="899640"/>
-            <a:ext cx="7931520" cy="1536840"/>
+            <a:ext cx="7931160" cy="1536480"/>
           </a:xfrm>
           <a:prstGeom prst="rect">
             <a:avLst/>
@@ -10392,7 +10392,7 @@
         <p:spPr>
           <a:xfrm>
             <a:off x="608040" y="2545560"/>
-            <a:ext cx="3711960" cy="2255400"/>
+            <a:ext cx="3711600" cy="2255040"/>
           </a:xfrm>
           <a:prstGeom prst="rect">
             <a:avLst/>
@@ -10444,7 +10444,7 @@
         <p:spPr>
           <a:xfrm>
             <a:off x="4806360" y="2545560"/>
-            <a:ext cx="3711960" cy="2255400"/>
+            <a:ext cx="3711600" cy="2255040"/>
           </a:xfrm>
           <a:prstGeom prst="rect">
             <a:avLst/>
@@ -10496,7 +10496,7 @@
         <p:spPr>
           <a:xfrm>
             <a:off x="583200" y="450720"/>
-            <a:ext cx="7197840" cy="511920"/>
+            <a:ext cx="7197480" cy="511560"/>
           </a:xfrm>
           <a:prstGeom prst="rect">
             <a:avLst/>
@@ -10578,7 +10578,7 @@
         <p:spPr>
           <a:xfrm>
             <a:off x="586440" y="1246680"/>
-            <a:ext cx="4003920" cy="3599640"/>
+            <a:ext cx="4003560" cy="3599280"/>
           </a:xfrm>
           <a:prstGeom prst="rect">
             <a:avLst/>
@@ -10630,7 +10630,7 @@
         <p:spPr>
           <a:xfrm>
             <a:off x="559800" y="446040"/>
-            <a:ext cx="4283280" cy="683280"/>
+            <a:ext cx="4282920" cy="682920"/>
           </a:xfrm>
           <a:prstGeom prst="rect">
             <a:avLst/>
@@ -10682,7 +10682,7 @@
         <p:spPr>
           <a:xfrm>
             <a:off x="5097600" y="360"/>
-            <a:ext cx="4379400" cy="5143680"/>
+            <a:ext cx="4379040" cy="5143320"/>
           </a:xfrm>
           <a:prstGeom prst="roundRect">
             <a:avLst>
@@ -10747,8 +10747,8 @@
         </p:nvSpPr>
         <p:spPr>
           <a:xfrm rot="2744400">
-            <a:off x="-280800" y="-25560"/>
-            <a:ext cx="704160" cy="703800"/>
+            <a:off x="-280080" y="-25560"/>
+            <a:ext cx="703800" cy="703440"/>
           </a:xfrm>
           <a:prstGeom prst="roundRect">
             <a:avLst>
@@ -10785,8 +10785,8 @@
         </p:nvSpPr>
         <p:spPr>
           <a:xfrm rot="2625600">
-            <a:off x="4861080" y="4146840"/>
-            <a:ext cx="468000" cy="468000"/>
+            <a:off x="4861080" y="4146480"/>
+            <a:ext cx="467640" cy="467640"/>
           </a:xfrm>
           <a:prstGeom prst="roundRect">
             <a:avLst>
@@ -10860,8 +10860,8 @@
         </p:nvSpPr>
         <p:spPr>
           <a:xfrm rot="2744400">
-            <a:off x="-349920" y="4539960"/>
-            <a:ext cx="704160" cy="703800"/>
+            <a:off x="-349200" y="4539600"/>
+            <a:ext cx="703800" cy="703440"/>
           </a:xfrm>
           <a:prstGeom prst="roundRect">
             <a:avLst>
@@ -10898,8 +10898,8 @@
         </p:nvSpPr>
         <p:spPr>
           <a:xfrm rot="19228200">
-            <a:off x="5846040" y="-2266200"/>
-            <a:ext cx="4854960" cy="7725960"/>
+            <a:off x="5845680" y="-2265840"/>
+            <a:ext cx="4854600" cy="7725600"/>
           </a:xfrm>
           <a:prstGeom prst="roundRect">
             <a:avLst>
@@ -10937,9 +10937,9 @@
         <p:grpSpPr>
           <a:xfrm>
             <a:off x="4571640" y="828000"/>
-            <a:ext cx="4467960" cy="3564000"/>
+            <a:ext cx="4467600" cy="3563640"/>
             <a:chOff x="4571640" y="828000"/>
-            <a:chExt cx="4467960" cy="3564000"/>
+            <a:chExt cx="4467600" cy="3563640"/>
           </a:xfrm>
         </p:grpSpPr>
         <p:pic>
@@ -10955,7 +10955,7 @@
           <p:spPr>
             <a:xfrm>
               <a:off x="4571640" y="828000"/>
-              <a:ext cx="4467960" cy="3564000"/>
+              <a:ext cx="4467600" cy="3563640"/>
             </a:xfrm>
             <a:prstGeom prst="rect">
               <a:avLst/>
@@ -10973,8 +10973,8 @@
           </p:nvSpPr>
           <p:spPr>
             <a:xfrm rot="16200000">
-              <a:off x="5962680" y="1159200"/>
-              <a:ext cx="1737000" cy="2770920"/>
+              <a:off x="5962680" y="1159560"/>
+              <a:ext cx="1736640" cy="2770560"/>
             </a:xfrm>
             <a:prstGeom prst="roundRect">
               <a:avLst>
@@ -11041,7 +11041,7 @@
         <p:spPr>
           <a:xfrm>
             <a:off x="586440" y="1246680"/>
-            <a:ext cx="4003920" cy="3599640"/>
+            <a:ext cx="4003560" cy="3599280"/>
           </a:xfrm>
           <a:prstGeom prst="rect">
             <a:avLst/>
@@ -11093,7 +11093,7 @@
         <p:spPr>
           <a:xfrm>
             <a:off x="5446080" y="1672200"/>
-            <a:ext cx="2779920" cy="1737000"/>
+            <a:ext cx="2779560" cy="1736640"/>
           </a:xfrm>
           <a:prstGeom prst="rect">
             <a:avLst/>
@@ -11145,7 +11145,7 @@
         <p:spPr>
           <a:xfrm>
             <a:off x="586440" y="453960"/>
-            <a:ext cx="3696480" cy="855000"/>
+            <a:ext cx="3696120" cy="854640"/>
           </a:xfrm>
           <a:prstGeom prst="rect">
             <a:avLst/>
@@ -11234,7 +11234,7 @@
         <p:spPr>
           <a:xfrm>
             <a:off x="4222080" y="1246680"/>
-            <a:ext cx="4114800" cy="3599640"/>
+            <a:ext cx="4114440" cy="3599280"/>
           </a:xfrm>
           <a:prstGeom prst="rect">
             <a:avLst/>
@@ -11285,8 +11285,8 @@
         </p:nvSpPr>
         <p:spPr>
           <a:xfrm rot="16200000">
-            <a:off x="-2181600" y="1733760"/>
-            <a:ext cx="5143680" cy="1683720"/>
+            <a:off x="-2181600" y="1734120"/>
+            <a:ext cx="5143320" cy="1683360"/>
           </a:xfrm>
           <a:prstGeom prst="roundRect">
             <a:avLst>
@@ -11324,7 +11324,7 @@
         <p:spPr>
           <a:xfrm rot="2745000">
             <a:off x="8575200" y="103320"/>
-            <a:ext cx="1132200" cy="1131840"/>
+            <a:ext cx="1131840" cy="1131480"/>
           </a:xfrm>
           <a:prstGeom prst="roundRect">
             <a:avLst>
@@ -11361,8 +11361,8 @@
         </p:nvSpPr>
         <p:spPr>
           <a:xfrm rot="16200000">
-            <a:off x="614880" y="919080"/>
-            <a:ext cx="3231720" cy="3313440"/>
+            <a:off x="614880" y="919440"/>
+            <a:ext cx="3231360" cy="3313080"/>
           </a:xfrm>
           <a:prstGeom prst="roundRect">
             <a:avLst>
@@ -11428,7 +11428,7 @@
         <p:spPr>
           <a:xfrm>
             <a:off x="4214160" y="456120"/>
-            <a:ext cx="4111560" cy="855000"/>
+            <a:ext cx="4111200" cy="854640"/>
           </a:xfrm>
           <a:prstGeom prst="rect">
             <a:avLst/>
@@ -11510,7 +11510,7 @@
         <p:spPr>
           <a:xfrm>
             <a:off x="586440" y="1246680"/>
-            <a:ext cx="4003920" cy="3599640"/>
+            <a:ext cx="4003560" cy="3599280"/>
           </a:xfrm>
           <a:prstGeom prst="rect">
             <a:avLst/>
@@ -11562,7 +11562,7 @@
         <p:spPr>
           <a:xfrm>
             <a:off x="559800" y="446040"/>
-            <a:ext cx="4283280" cy="683280"/>
+            <a:ext cx="4282920" cy="682920"/>
           </a:xfrm>
           <a:prstGeom prst="rect">
             <a:avLst/>
@@ -11614,7 +11614,7 @@
         <p:spPr>
           <a:xfrm>
             <a:off x="5097600" y="360"/>
-            <a:ext cx="4379400" cy="5143680"/>
+            <a:ext cx="4379040" cy="5143320"/>
           </a:xfrm>
           <a:prstGeom prst="roundRect">
             <a:avLst>
@@ -11679,8 +11679,8 @@
         </p:nvSpPr>
         <p:spPr>
           <a:xfrm rot="2744400">
-            <a:off x="-280800" y="-25560"/>
-            <a:ext cx="704160" cy="703800"/>
+            <a:off x="-280080" y="-25560"/>
+            <a:ext cx="703800" cy="703440"/>
           </a:xfrm>
           <a:prstGeom prst="roundRect">
             <a:avLst>
@@ -11717,8 +11717,8 @@
         </p:nvSpPr>
         <p:spPr>
           <a:xfrm rot="2625600">
-            <a:off x="4861080" y="4146840"/>
-            <a:ext cx="468000" cy="468000"/>
+            <a:off x="4861080" y="4146480"/>
+            <a:ext cx="467640" cy="467640"/>
           </a:xfrm>
           <a:prstGeom prst="roundRect">
             <a:avLst>
@@ -11792,8 +11792,8 @@
         </p:nvSpPr>
         <p:spPr>
           <a:xfrm rot="2744400">
-            <a:off x="-280800" y="-25560"/>
-            <a:ext cx="704160" cy="703800"/>
+            <a:off x="-280080" y="-25560"/>
+            <a:ext cx="703800" cy="703440"/>
           </a:xfrm>
           <a:prstGeom prst="roundRect">
             <a:avLst>
@@ -11830,8 +11830,8 @@
         </p:nvSpPr>
         <p:spPr>
           <a:xfrm rot="2332200">
-            <a:off x="6009480" y="-319680"/>
-            <a:ext cx="4855320" cy="7726320"/>
+            <a:off x="6009120" y="-319680"/>
+            <a:ext cx="4854960" cy="7725960"/>
           </a:xfrm>
           <a:prstGeom prst="roundRect">
             <a:avLst>
@@ -11869,9 +11869,9 @@
         <p:grpSpPr>
           <a:xfrm>
             <a:off x="4571640" y="828000"/>
-            <a:ext cx="4467960" cy="3564000"/>
+            <a:ext cx="4467600" cy="3563640"/>
             <a:chOff x="4571640" y="828000"/>
-            <a:chExt cx="4467960" cy="3564000"/>
+            <a:chExt cx="4467600" cy="3563640"/>
           </a:xfrm>
         </p:grpSpPr>
         <p:pic>
@@ -11887,7 +11887,7 @@
           <p:spPr>
             <a:xfrm>
               <a:off x="4571640" y="828000"/>
-              <a:ext cx="4467960" cy="3564000"/>
+              <a:ext cx="4467600" cy="3563640"/>
             </a:xfrm>
             <a:prstGeom prst="rect">
               <a:avLst/>
@@ -11905,8 +11905,8 @@
           </p:nvSpPr>
           <p:spPr>
             <a:xfrm rot="16200000">
-              <a:off x="5962680" y="1159200"/>
-              <a:ext cx="1737000" cy="2770920"/>
+              <a:off x="5962680" y="1159560"/>
+              <a:ext cx="1736640" cy="2770560"/>
             </a:xfrm>
             <a:prstGeom prst="roundRect">
               <a:avLst>
@@ -11973,7 +11973,7 @@
         <p:spPr>
           <a:xfrm>
             <a:off x="5446080" y="1672200"/>
-            <a:ext cx="2770560" cy="1737000"/>
+            <a:ext cx="2770200" cy="1736640"/>
           </a:xfrm>
           <a:prstGeom prst="rect">
             <a:avLst/>
@@ -12025,7 +12025,7 @@
         <p:spPr>
           <a:xfrm>
             <a:off x="586440" y="1246680"/>
-            <a:ext cx="4003920" cy="3599640"/>
+            <a:ext cx="4003560" cy="3599280"/>
           </a:xfrm>
           <a:prstGeom prst="rect">
             <a:avLst/>
@@ -12077,7 +12077,7 @@
         <p:spPr>
           <a:xfrm>
             <a:off x="586440" y="453960"/>
-            <a:ext cx="4763880" cy="855000"/>
+            <a:ext cx="4763520" cy="854640"/>
           </a:xfrm>
           <a:prstGeom prst="rect">
             <a:avLst/>
@@ -12166,7 +12166,7 @@
         <p:spPr>
           <a:xfrm rot="2745600">
             <a:off x="8349840" y="-668160"/>
-            <a:ext cx="1497960" cy="1497960"/>
+            <a:ext cx="1497600" cy="1497600"/>
           </a:xfrm>
           <a:prstGeom prst="roundRect">
             <a:avLst>
@@ -12204,7 +12204,7 @@
         <p:spPr>
           <a:xfrm rot="2745600">
             <a:off x="7634160" y="-322200"/>
-            <a:ext cx="806760" cy="807120"/>
+            <a:ext cx="806400" cy="806760"/>
           </a:xfrm>
           <a:prstGeom prst="roundRect">
             <a:avLst>
@@ -12243,7 +12243,7 @@
         <p:spPr>
           <a:xfrm>
             <a:off x="586440" y="899640"/>
-            <a:ext cx="7931520" cy="1536840"/>
+            <a:ext cx="7931160" cy="1536480"/>
           </a:xfrm>
           <a:prstGeom prst="rect">
             <a:avLst/>
@@ -12295,7 +12295,7 @@
         <p:spPr>
           <a:xfrm>
             <a:off x="608040" y="2545560"/>
-            <a:ext cx="3711960" cy="2255400"/>
+            <a:ext cx="3711600" cy="2255040"/>
           </a:xfrm>
           <a:prstGeom prst="rect">
             <a:avLst/>
@@ -12347,7 +12347,7 @@
         <p:spPr>
           <a:xfrm>
             <a:off x="4806360" y="2545560"/>
-            <a:ext cx="3711960" cy="2255400"/>
+            <a:ext cx="3711600" cy="2255040"/>
           </a:xfrm>
           <a:prstGeom prst="rect">
             <a:avLst/>
@@ -12399,7 +12399,7 @@
         <p:spPr>
           <a:xfrm>
             <a:off x="583200" y="450720"/>
-            <a:ext cx="7197840" cy="511920"/>
+            <a:ext cx="7197480" cy="511560"/>
           </a:xfrm>
           <a:prstGeom prst="rect">
             <a:avLst/>
@@ -12481,7 +12481,7 @@
         <p:spPr>
           <a:xfrm>
             <a:off x="586440" y="1246680"/>
-            <a:ext cx="4003920" cy="3599640"/>
+            <a:ext cx="4003560" cy="3599280"/>
           </a:xfrm>
           <a:prstGeom prst="rect">
             <a:avLst/>
@@ -12533,7 +12533,7 @@
         <p:spPr>
           <a:xfrm>
             <a:off x="559800" y="446040"/>
-            <a:ext cx="4283280" cy="683280"/>
+            <a:ext cx="4282920" cy="682920"/>
           </a:xfrm>
           <a:prstGeom prst="rect">
             <a:avLst/>
@@ -12585,7 +12585,7 @@
         <p:spPr>
           <a:xfrm>
             <a:off x="5097600" y="360"/>
-            <a:ext cx="4379400" cy="5143680"/>
+            <a:ext cx="4379040" cy="5143320"/>
           </a:xfrm>
           <a:prstGeom prst="roundRect">
             <a:avLst>
@@ -12650,8 +12650,8 @@
         </p:nvSpPr>
         <p:spPr>
           <a:xfrm rot="2744400">
-            <a:off x="-280800" y="-25560"/>
-            <a:ext cx="704160" cy="703800"/>
+            <a:off x="-280080" y="-25560"/>
+            <a:ext cx="703800" cy="703440"/>
           </a:xfrm>
           <a:prstGeom prst="roundRect">
             <a:avLst>
@@ -12688,8 +12688,8 @@
         </p:nvSpPr>
         <p:spPr>
           <a:xfrm rot="2625600">
-            <a:off x="4861080" y="4146840"/>
-            <a:ext cx="468000" cy="468000"/>
+            <a:off x="4861080" y="4146480"/>
+            <a:ext cx="467640" cy="467640"/>
           </a:xfrm>
           <a:prstGeom prst="roundRect">
             <a:avLst>
@@ -12763,8 +12763,8 @@
         </p:nvSpPr>
         <p:spPr>
           <a:xfrm rot="2744400">
-            <a:off x="-349920" y="4539960"/>
-            <a:ext cx="704160" cy="703800"/>
+            <a:off x="-349200" y="4539600"/>
+            <a:ext cx="703800" cy="703440"/>
           </a:xfrm>
           <a:prstGeom prst="roundRect">
             <a:avLst>
@@ -12801,8 +12801,8 @@
         </p:nvSpPr>
         <p:spPr>
           <a:xfrm rot="19228200">
-            <a:off x="5846040" y="-2266200"/>
-            <a:ext cx="4854960" cy="7725960"/>
+            <a:off x="5845680" y="-2265840"/>
+            <a:ext cx="4854600" cy="7725600"/>
           </a:xfrm>
           <a:prstGeom prst="roundRect">
             <a:avLst>
@@ -12840,9 +12840,9 @@
         <p:grpSpPr>
           <a:xfrm>
             <a:off x="4571640" y="828000"/>
-            <a:ext cx="4467960" cy="3564000"/>
+            <a:ext cx="4467600" cy="3563640"/>
             <a:chOff x="4571640" y="828000"/>
-            <a:chExt cx="4467960" cy="3564000"/>
+            <a:chExt cx="4467600" cy="3563640"/>
           </a:xfrm>
         </p:grpSpPr>
         <p:pic>
@@ -12858,7 +12858,7 @@
           <p:spPr>
             <a:xfrm>
               <a:off x="4571640" y="828000"/>
-              <a:ext cx="4467960" cy="3564000"/>
+              <a:ext cx="4467600" cy="3563640"/>
             </a:xfrm>
             <a:prstGeom prst="rect">
               <a:avLst/>
@@ -12876,8 +12876,8 @@
           </p:nvSpPr>
           <p:spPr>
             <a:xfrm rot="16200000">
-              <a:off x="5962680" y="1159200"/>
-              <a:ext cx="1737000" cy="2770920"/>
+              <a:off x="5962680" y="1159560"/>
+              <a:ext cx="1736640" cy="2770560"/>
             </a:xfrm>
             <a:prstGeom prst="roundRect">
               <a:avLst>
@@ -12944,7 +12944,7 @@
         <p:spPr>
           <a:xfrm>
             <a:off x="586440" y="1246680"/>
-            <a:ext cx="4003920" cy="3599640"/>
+            <a:ext cx="4003560" cy="3599280"/>
           </a:xfrm>
           <a:prstGeom prst="rect">
             <a:avLst/>
@@ -12996,7 +12996,7 @@
         <p:spPr>
           <a:xfrm>
             <a:off x="5446080" y="1672200"/>
-            <a:ext cx="2779920" cy="1737000"/>
+            <a:ext cx="2779560" cy="1736640"/>
           </a:xfrm>
           <a:prstGeom prst="rect">
             <a:avLst/>
@@ -13048,7 +13048,7 @@
         <p:spPr>
           <a:xfrm>
             <a:off x="586440" y="453960"/>
-            <a:ext cx="3696480" cy="855000"/>
+            <a:ext cx="3696120" cy="854640"/>
           </a:xfrm>
           <a:prstGeom prst="rect">
             <a:avLst/>
@@ -13137,7 +13137,7 @@
         <p:spPr>
           <a:xfrm>
             <a:off x="4222080" y="1246680"/>
-            <a:ext cx="4114800" cy="3599640"/>
+            <a:ext cx="4114440" cy="3599280"/>
           </a:xfrm>
           <a:prstGeom prst="rect">
             <a:avLst/>
@@ -13188,8 +13188,8 @@
         </p:nvSpPr>
         <p:spPr>
           <a:xfrm rot="16200000">
-            <a:off x="-2181600" y="1733760"/>
-            <a:ext cx="5143680" cy="1683720"/>
+            <a:off x="-2181600" y="1734120"/>
+            <a:ext cx="5143320" cy="1683360"/>
           </a:xfrm>
           <a:prstGeom prst="roundRect">
             <a:avLst>
@@ -13227,7 +13227,7 @@
         <p:spPr>
           <a:xfrm rot="2745000">
             <a:off x="8575200" y="103320"/>
-            <a:ext cx="1132200" cy="1131840"/>
+            <a:ext cx="1131840" cy="1131480"/>
           </a:xfrm>
           <a:prstGeom prst="roundRect">
             <a:avLst>
@@ -13264,8 +13264,8 @@
         </p:nvSpPr>
         <p:spPr>
           <a:xfrm rot="16200000">
-            <a:off x="614880" y="919080"/>
-            <a:ext cx="3231720" cy="3313440"/>
+            <a:off x="614880" y="919440"/>
+            <a:ext cx="3231360" cy="3313080"/>
           </a:xfrm>
           <a:prstGeom prst="roundRect">
             <a:avLst>
@@ -13331,7 +13331,7 @@
         <p:spPr>
           <a:xfrm>
             <a:off x="4214160" y="456120"/>
-            <a:ext cx="4111560" cy="855000"/>
+            <a:ext cx="4111200" cy="854640"/>
           </a:xfrm>
           <a:prstGeom prst="rect">
             <a:avLst/>
@@ -13419,8 +13419,8 @@
         </p:nvSpPr>
         <p:spPr>
           <a:xfrm rot="2744400">
-            <a:off x="-280800" y="-25560"/>
-            <a:ext cx="704160" cy="703800"/>
+            <a:off x="-280080" y="-25560"/>
+            <a:ext cx="703800" cy="703440"/>
           </a:xfrm>
           <a:prstGeom prst="roundRect">
             <a:avLst>
@@ -13457,8 +13457,8 @@
         </p:nvSpPr>
         <p:spPr>
           <a:xfrm rot="2332200">
-            <a:off x="6009480" y="-319680"/>
-            <a:ext cx="4855320" cy="7726320"/>
+            <a:off x="6009120" y="-319680"/>
+            <a:ext cx="4854960" cy="7725960"/>
           </a:xfrm>
           <a:prstGeom prst="roundRect">
             <a:avLst>
@@ -13496,9 +13496,9 @@
         <p:grpSpPr>
           <a:xfrm>
             <a:off x="4571640" y="828000"/>
-            <a:ext cx="4467960" cy="3564000"/>
+            <a:ext cx="4467600" cy="3563640"/>
             <a:chOff x="4571640" y="828000"/>
-            <a:chExt cx="4467960" cy="3564000"/>
+            <a:chExt cx="4467600" cy="3563640"/>
           </a:xfrm>
         </p:grpSpPr>
         <p:pic>
@@ -13514,7 +13514,7 @@
           <p:spPr>
             <a:xfrm>
               <a:off x="4571640" y="828000"/>
-              <a:ext cx="4467960" cy="3564000"/>
+              <a:ext cx="4467600" cy="3563640"/>
             </a:xfrm>
             <a:prstGeom prst="rect">
               <a:avLst/>
@@ -13532,8 +13532,8 @@
           </p:nvSpPr>
           <p:spPr>
             <a:xfrm rot="16200000">
-              <a:off x="5962680" y="1159200"/>
-              <a:ext cx="1737000" cy="2770920"/>
+              <a:off x="5962680" y="1159560"/>
+              <a:ext cx="1736640" cy="2770560"/>
             </a:xfrm>
             <a:prstGeom prst="roundRect">
               <a:avLst>
@@ -13600,7 +13600,7 @@
         <p:spPr>
           <a:xfrm>
             <a:off x="5446080" y="1672200"/>
-            <a:ext cx="2770560" cy="1737000"/>
+            <a:ext cx="2770200" cy="1736640"/>
           </a:xfrm>
           <a:prstGeom prst="rect">
             <a:avLst/>
@@ -13652,7 +13652,7 @@
         <p:spPr>
           <a:xfrm>
             <a:off x="586440" y="1246680"/>
-            <a:ext cx="4003920" cy="3599640"/>
+            <a:ext cx="4003560" cy="3599280"/>
           </a:xfrm>
           <a:prstGeom prst="rect">
             <a:avLst/>
@@ -13704,7 +13704,7 @@
         <p:spPr>
           <a:xfrm>
             <a:off x="586440" y="453960"/>
-            <a:ext cx="4763880" cy="855000"/>
+            <a:ext cx="4763520" cy="854640"/>
           </a:xfrm>
           <a:prstGeom prst="rect">
             <a:avLst/>
@@ -13793,7 +13793,7 @@
         <p:spPr>
           <a:xfrm rot="2745600">
             <a:off x="8349840" y="-668160"/>
-            <a:ext cx="1497960" cy="1497960"/>
+            <a:ext cx="1497600" cy="1497600"/>
           </a:xfrm>
           <a:prstGeom prst="roundRect">
             <a:avLst>
@@ -13831,7 +13831,7 @@
         <p:spPr>
           <a:xfrm rot="2745600">
             <a:off x="7634160" y="-322200"/>
-            <a:ext cx="806760" cy="807120"/>
+            <a:ext cx="806400" cy="806760"/>
           </a:xfrm>
           <a:prstGeom prst="roundRect">
             <a:avLst>
@@ -13870,7 +13870,7 @@
         <p:spPr>
           <a:xfrm>
             <a:off x="586440" y="899640"/>
-            <a:ext cx="7931520" cy="1536840"/>
+            <a:ext cx="7931160" cy="1536480"/>
           </a:xfrm>
           <a:prstGeom prst="rect">
             <a:avLst/>
@@ -13922,7 +13922,7 @@
         <p:spPr>
           <a:xfrm>
             <a:off x="608040" y="2545560"/>
-            <a:ext cx="3711960" cy="2255400"/>
+            <a:ext cx="3711600" cy="2255040"/>
           </a:xfrm>
           <a:prstGeom prst="rect">
             <a:avLst/>
@@ -13974,7 +13974,7 @@
         <p:spPr>
           <a:xfrm>
             <a:off x="4806360" y="2545560"/>
-            <a:ext cx="3711960" cy="2255400"/>
+            <a:ext cx="3711600" cy="2255040"/>
           </a:xfrm>
           <a:prstGeom prst="rect">
             <a:avLst/>
@@ -14026,7 +14026,7 @@
         <p:spPr>
           <a:xfrm>
             <a:off x="583200" y="450720"/>
-            <a:ext cx="7197840" cy="511920"/>
+            <a:ext cx="7197480" cy="511560"/>
           </a:xfrm>
           <a:prstGeom prst="rect">
             <a:avLst/>
@@ -14108,7 +14108,7 @@
         <p:spPr>
           <a:xfrm>
             <a:off x="586440" y="1246680"/>
-            <a:ext cx="4003920" cy="3599640"/>
+            <a:ext cx="4003560" cy="3599280"/>
           </a:xfrm>
           <a:prstGeom prst="rect">
             <a:avLst/>
@@ -14160,7 +14160,7 @@
         <p:spPr>
           <a:xfrm>
             <a:off x="559800" y="446040"/>
-            <a:ext cx="4283280" cy="683280"/>
+            <a:ext cx="4282920" cy="682920"/>
           </a:xfrm>
           <a:prstGeom prst="rect">
             <a:avLst/>
@@ -14212,7 +14212,7 @@
         <p:spPr>
           <a:xfrm>
             <a:off x="5097600" y="360"/>
-            <a:ext cx="4379400" cy="5143680"/>
+            <a:ext cx="4379040" cy="5143320"/>
           </a:xfrm>
           <a:prstGeom prst="roundRect">
             <a:avLst>
@@ -14277,8 +14277,8 @@
         </p:nvSpPr>
         <p:spPr>
           <a:xfrm rot="2744400">
-            <a:off x="-280800" y="-25560"/>
-            <a:ext cx="704160" cy="703800"/>
+            <a:off x="-280080" y="-25560"/>
+            <a:ext cx="703800" cy="703440"/>
           </a:xfrm>
           <a:prstGeom prst="roundRect">
             <a:avLst>
@@ -14315,8 +14315,8 @@
         </p:nvSpPr>
         <p:spPr>
           <a:xfrm rot="2625600">
-            <a:off x="4861080" y="4146840"/>
-            <a:ext cx="468000" cy="468000"/>
+            <a:off x="4861080" y="4146480"/>
+            <a:ext cx="467640" cy="467640"/>
           </a:xfrm>
           <a:prstGeom prst="roundRect">
             <a:avLst>
@@ -14390,8 +14390,8 @@
         </p:nvSpPr>
         <p:spPr>
           <a:xfrm rot="2744400">
-            <a:off x="-349920" y="4539960"/>
-            <a:ext cx="704160" cy="703800"/>
+            <a:off x="-349200" y="4539600"/>
+            <a:ext cx="703800" cy="703440"/>
           </a:xfrm>
           <a:prstGeom prst="roundRect">
             <a:avLst>
@@ -14428,8 +14428,8 @@
         </p:nvSpPr>
         <p:spPr>
           <a:xfrm rot="19228200">
-            <a:off x="5846040" y="-2266200"/>
-            <a:ext cx="4854960" cy="7725960"/>
+            <a:off x="5845680" y="-2265840"/>
+            <a:ext cx="4854600" cy="7725600"/>
           </a:xfrm>
           <a:prstGeom prst="roundRect">
             <a:avLst>
@@ -14467,9 +14467,9 @@
         <p:grpSpPr>
           <a:xfrm>
             <a:off x="4571640" y="828000"/>
-            <a:ext cx="4467960" cy="3564000"/>
+            <a:ext cx="4467600" cy="3563640"/>
             <a:chOff x="4571640" y="828000"/>
-            <a:chExt cx="4467960" cy="3564000"/>
+            <a:chExt cx="4467600" cy="3563640"/>
           </a:xfrm>
         </p:grpSpPr>
         <p:pic>
@@ -14485,7 +14485,7 @@
           <p:spPr>
             <a:xfrm>
               <a:off x="4571640" y="828000"/>
-              <a:ext cx="4467960" cy="3564000"/>
+              <a:ext cx="4467600" cy="3563640"/>
             </a:xfrm>
             <a:prstGeom prst="rect">
               <a:avLst/>
@@ -14503,8 +14503,8 @@
           </p:nvSpPr>
           <p:spPr>
             <a:xfrm rot="16200000">
-              <a:off x="5962680" y="1159200"/>
-              <a:ext cx="1737000" cy="2770920"/>
+              <a:off x="5962680" y="1159560"/>
+              <a:ext cx="1736640" cy="2770560"/>
             </a:xfrm>
             <a:prstGeom prst="roundRect">
               <a:avLst>
@@ -14571,7 +14571,7 @@
         <p:spPr>
           <a:xfrm>
             <a:off x="586440" y="1246680"/>
-            <a:ext cx="4003920" cy="3599640"/>
+            <a:ext cx="4003560" cy="3599280"/>
           </a:xfrm>
           <a:prstGeom prst="rect">
             <a:avLst/>
@@ -14623,7 +14623,7 @@
         <p:spPr>
           <a:xfrm>
             <a:off x="5446080" y="1672200"/>
-            <a:ext cx="2779920" cy="1737000"/>
+            <a:ext cx="2779560" cy="1736640"/>
           </a:xfrm>
           <a:prstGeom prst="rect">
             <a:avLst/>
@@ -14675,7 +14675,7 @@
         <p:spPr>
           <a:xfrm>
             <a:off x="586440" y="453960"/>
-            <a:ext cx="3696480" cy="855000"/>
+            <a:ext cx="3696120" cy="854640"/>
           </a:xfrm>
           <a:prstGeom prst="rect">
             <a:avLst/>
@@ -14764,7 +14764,7 @@
         <p:spPr>
           <a:xfrm>
             <a:off x="4222080" y="1246680"/>
-            <a:ext cx="4114800" cy="3599640"/>
+            <a:ext cx="4114440" cy="3599280"/>
           </a:xfrm>
           <a:prstGeom prst="rect">
             <a:avLst/>
@@ -14815,8 +14815,8 @@
         </p:nvSpPr>
         <p:spPr>
           <a:xfrm rot="16200000">
-            <a:off x="-2181600" y="1733760"/>
-            <a:ext cx="5143680" cy="1683720"/>
+            <a:off x="-2181600" y="1734120"/>
+            <a:ext cx="5143320" cy="1683360"/>
           </a:xfrm>
           <a:prstGeom prst="roundRect">
             <a:avLst>
@@ -14854,7 +14854,7 @@
         <p:spPr>
           <a:xfrm rot="2745000">
             <a:off x="8575200" y="103320"/>
-            <a:ext cx="1132200" cy="1131840"/>
+            <a:ext cx="1131840" cy="1131480"/>
           </a:xfrm>
           <a:prstGeom prst="roundRect">
             <a:avLst>
@@ -14891,8 +14891,8 @@
         </p:nvSpPr>
         <p:spPr>
           <a:xfrm rot="16200000">
-            <a:off x="614880" y="919080"/>
-            <a:ext cx="3231720" cy="3313440"/>
+            <a:off x="614880" y="919440"/>
+            <a:ext cx="3231360" cy="3313080"/>
           </a:xfrm>
           <a:prstGeom prst="roundRect">
             <a:avLst>
@@ -14958,7 +14958,7 @@
         <p:spPr>
           <a:xfrm>
             <a:off x="4214160" y="456120"/>
-            <a:ext cx="4111560" cy="855000"/>
+            <a:ext cx="4111200" cy="854640"/>
           </a:xfrm>
           <a:prstGeom prst="rect">
             <a:avLst/>
@@ -15046,8 +15046,8 @@
         </p:nvSpPr>
         <p:spPr>
           <a:xfrm rot="2744400">
-            <a:off x="-349920" y="4539960"/>
-            <a:ext cx="704160" cy="703800"/>
+            <a:off x="-349200" y="4539600"/>
+            <a:ext cx="703800" cy="703440"/>
           </a:xfrm>
           <a:prstGeom prst="roundRect">
             <a:avLst>
@@ -15084,8 +15084,8 @@
         </p:nvSpPr>
         <p:spPr>
           <a:xfrm rot="19228200">
-            <a:off x="5846040" y="-2266200"/>
-            <a:ext cx="4854960" cy="7725960"/>
+            <a:off x="5845680" y="-2265840"/>
+            <a:ext cx="4854600" cy="7725600"/>
           </a:xfrm>
           <a:prstGeom prst="roundRect">
             <a:avLst>
@@ -15123,9 +15123,9 @@
         <p:grpSpPr>
           <a:xfrm>
             <a:off x="4571640" y="828000"/>
-            <a:ext cx="4467960" cy="3564000"/>
+            <a:ext cx="4467600" cy="3563640"/>
             <a:chOff x="4571640" y="828000"/>
-            <a:chExt cx="4467960" cy="3564000"/>
+            <a:chExt cx="4467600" cy="3563640"/>
           </a:xfrm>
         </p:grpSpPr>
         <p:pic>
@@ -15141,7 +15141,7 @@
           <p:spPr>
             <a:xfrm>
               <a:off x="4571640" y="828000"/>
-              <a:ext cx="4467960" cy="3564000"/>
+              <a:ext cx="4467600" cy="3563640"/>
             </a:xfrm>
             <a:prstGeom prst="rect">
               <a:avLst/>
@@ -15159,8 +15159,8 @@
           </p:nvSpPr>
           <p:spPr>
             <a:xfrm rot="16200000">
-              <a:off x="5962680" y="1159200"/>
-              <a:ext cx="1737000" cy="2770920"/>
+              <a:off x="5962680" y="1159560"/>
+              <a:ext cx="1736640" cy="2770560"/>
             </a:xfrm>
             <a:prstGeom prst="roundRect">
               <a:avLst>
@@ -15227,7 +15227,7 @@
         <p:spPr>
           <a:xfrm>
             <a:off x="586440" y="1246680"/>
-            <a:ext cx="4003920" cy="3599640"/>
+            <a:ext cx="4003560" cy="3599280"/>
           </a:xfrm>
           <a:prstGeom prst="rect">
             <a:avLst/>
@@ -15279,7 +15279,7 @@
         <p:spPr>
           <a:xfrm>
             <a:off x="5446080" y="1672200"/>
-            <a:ext cx="2779920" cy="1737000"/>
+            <a:ext cx="2779560" cy="1736640"/>
           </a:xfrm>
           <a:prstGeom prst="rect">
             <a:avLst/>
@@ -15331,7 +15331,7 @@
         <p:spPr>
           <a:xfrm>
             <a:off x="586440" y="453960"/>
-            <a:ext cx="3696480" cy="855000"/>
+            <a:ext cx="3696120" cy="854640"/>
           </a:xfrm>
           <a:prstGeom prst="rect">
             <a:avLst/>
@@ -15419,8 +15419,8 @@
         </p:nvSpPr>
         <p:spPr>
           <a:xfrm rot="2744400">
-            <a:off x="-280800" y="-25560"/>
-            <a:ext cx="704160" cy="703800"/>
+            <a:off x="-280080" y="-25560"/>
+            <a:ext cx="703800" cy="703440"/>
           </a:xfrm>
           <a:prstGeom prst="roundRect">
             <a:avLst>
@@ -15457,8 +15457,8 @@
         </p:nvSpPr>
         <p:spPr>
           <a:xfrm rot="2332200">
-            <a:off x="6009480" y="-319680"/>
-            <a:ext cx="4855320" cy="7726320"/>
+            <a:off x="6009120" y="-319680"/>
+            <a:ext cx="4854960" cy="7725960"/>
           </a:xfrm>
           <a:prstGeom prst="roundRect">
             <a:avLst>
@@ -15496,9 +15496,9 @@
         <p:grpSpPr>
           <a:xfrm>
             <a:off x="4571640" y="828000"/>
-            <a:ext cx="4467960" cy="3564000"/>
+            <a:ext cx="4467600" cy="3563640"/>
             <a:chOff x="4571640" y="828000"/>
-            <a:chExt cx="4467960" cy="3564000"/>
+            <a:chExt cx="4467600" cy="3563640"/>
           </a:xfrm>
         </p:grpSpPr>
         <p:pic>
@@ -15514,7 +15514,7 @@
           <p:spPr>
             <a:xfrm>
               <a:off x="4571640" y="828000"/>
-              <a:ext cx="4467960" cy="3564000"/>
+              <a:ext cx="4467600" cy="3563640"/>
             </a:xfrm>
             <a:prstGeom prst="rect">
               <a:avLst/>
@@ -15532,8 +15532,8 @@
           </p:nvSpPr>
           <p:spPr>
             <a:xfrm rot="16200000">
-              <a:off x="5962680" y="1159200"/>
-              <a:ext cx="1737000" cy="2770920"/>
+              <a:off x="5962680" y="1159560"/>
+              <a:ext cx="1736640" cy="2770560"/>
             </a:xfrm>
             <a:prstGeom prst="roundRect">
               <a:avLst>
@@ -15600,7 +15600,7 @@
         <p:spPr>
           <a:xfrm>
             <a:off x="5446080" y="1672200"/>
-            <a:ext cx="2770560" cy="1737000"/>
+            <a:ext cx="2770200" cy="1736640"/>
           </a:xfrm>
           <a:prstGeom prst="rect">
             <a:avLst/>
@@ -15652,7 +15652,7 @@
         <p:spPr>
           <a:xfrm>
             <a:off x="586440" y="1246680"/>
-            <a:ext cx="4003920" cy="3599640"/>
+            <a:ext cx="4003560" cy="3599280"/>
           </a:xfrm>
           <a:prstGeom prst="rect">
             <a:avLst/>
@@ -15704,7 +15704,7 @@
         <p:spPr>
           <a:xfrm>
             <a:off x="586440" y="453960"/>
-            <a:ext cx="4763880" cy="855000"/>
+            <a:ext cx="4763520" cy="854640"/>
           </a:xfrm>
           <a:prstGeom prst="rect">
             <a:avLst/>
@@ -15793,7 +15793,7 @@
         <p:spPr>
           <a:xfrm rot="2745600">
             <a:off x="8349840" y="-668160"/>
-            <a:ext cx="1497960" cy="1497960"/>
+            <a:ext cx="1497600" cy="1497600"/>
           </a:xfrm>
           <a:prstGeom prst="roundRect">
             <a:avLst>
@@ -15831,7 +15831,7 @@
         <p:spPr>
           <a:xfrm rot="2745600">
             <a:off x="7634160" y="-322200"/>
-            <a:ext cx="806760" cy="807120"/>
+            <a:ext cx="806400" cy="806760"/>
           </a:xfrm>
           <a:prstGeom prst="roundRect">
             <a:avLst>
@@ -15870,7 +15870,7 @@
         <p:spPr>
           <a:xfrm>
             <a:off x="586440" y="899640"/>
-            <a:ext cx="7931520" cy="1536840"/>
+            <a:ext cx="7931160" cy="1536480"/>
           </a:xfrm>
           <a:prstGeom prst="rect">
             <a:avLst/>
@@ -15922,7 +15922,7 @@
         <p:spPr>
           <a:xfrm>
             <a:off x="608040" y="2545560"/>
-            <a:ext cx="3711960" cy="2255400"/>
+            <a:ext cx="3711600" cy="2255040"/>
           </a:xfrm>
           <a:prstGeom prst="rect">
             <a:avLst/>
@@ -15974,7 +15974,7 @@
         <p:spPr>
           <a:xfrm>
             <a:off x="4806360" y="2545560"/>
-            <a:ext cx="3711960" cy="2255400"/>
+            <a:ext cx="3711600" cy="2255040"/>
           </a:xfrm>
           <a:prstGeom prst="rect">
             <a:avLst/>
@@ -16026,7 +16026,7 @@
         <p:spPr>
           <a:xfrm>
             <a:off x="583200" y="450720"/>
-            <a:ext cx="7197840" cy="511920"/>
+            <a:ext cx="7197480" cy="511560"/>
           </a:xfrm>
           <a:prstGeom prst="rect">
             <a:avLst/>
@@ -16108,7 +16108,7 @@
         <p:spPr>
           <a:xfrm>
             <a:off x="586440" y="1246680"/>
-            <a:ext cx="4003920" cy="3599640"/>
+            <a:ext cx="4003560" cy="3599280"/>
           </a:xfrm>
           <a:prstGeom prst="rect">
             <a:avLst/>
@@ -16160,7 +16160,7 @@
         <p:spPr>
           <a:xfrm>
             <a:off x="559800" y="446040"/>
-            <a:ext cx="4283280" cy="683280"/>
+            <a:ext cx="4282920" cy="682920"/>
           </a:xfrm>
           <a:prstGeom prst="rect">
             <a:avLst/>
@@ -16212,7 +16212,7 @@
         <p:spPr>
           <a:xfrm>
             <a:off x="5097600" y="360"/>
-            <a:ext cx="4379400" cy="5143680"/>
+            <a:ext cx="4379040" cy="5143320"/>
           </a:xfrm>
           <a:prstGeom prst="roundRect">
             <a:avLst>
@@ -16277,8 +16277,8 @@
         </p:nvSpPr>
         <p:spPr>
           <a:xfrm rot="2744400">
-            <a:off x="-280800" y="-25560"/>
-            <a:ext cx="704160" cy="703800"/>
+            <a:off x="-280080" y="-25560"/>
+            <a:ext cx="703800" cy="703440"/>
           </a:xfrm>
           <a:prstGeom prst="roundRect">
             <a:avLst>
@@ -16315,8 +16315,8 @@
         </p:nvSpPr>
         <p:spPr>
           <a:xfrm rot="2625600">
-            <a:off x="4861080" y="4146840"/>
-            <a:ext cx="468000" cy="468000"/>
+            <a:off x="4861080" y="4146480"/>
+            <a:ext cx="467640" cy="467640"/>
           </a:xfrm>
           <a:prstGeom prst="roundRect">
             <a:avLst>
@@ -16390,8 +16390,8 @@
         </p:nvSpPr>
         <p:spPr>
           <a:xfrm rot="2744400">
-            <a:off x="-349920" y="4539960"/>
-            <a:ext cx="704160" cy="703800"/>
+            <a:off x="-349200" y="4539600"/>
+            <a:ext cx="703800" cy="703440"/>
           </a:xfrm>
           <a:prstGeom prst="roundRect">
             <a:avLst>
@@ -16428,8 +16428,8 @@
         </p:nvSpPr>
         <p:spPr>
           <a:xfrm rot="19228200">
-            <a:off x="5846040" y="-2266200"/>
-            <a:ext cx="4854960" cy="7725960"/>
+            <a:off x="5845680" y="-2265840"/>
+            <a:ext cx="4854600" cy="7725600"/>
           </a:xfrm>
           <a:prstGeom prst="roundRect">
             <a:avLst>
@@ -16467,9 +16467,9 @@
         <p:grpSpPr>
           <a:xfrm>
             <a:off x="4571640" y="828000"/>
-            <a:ext cx="4467960" cy="3564000"/>
+            <a:ext cx="4467600" cy="3563640"/>
             <a:chOff x="4571640" y="828000"/>
-            <a:chExt cx="4467960" cy="3564000"/>
+            <a:chExt cx="4467600" cy="3563640"/>
           </a:xfrm>
         </p:grpSpPr>
         <p:pic>
@@ -16485,7 +16485,7 @@
           <p:spPr>
             <a:xfrm>
               <a:off x="4571640" y="828000"/>
-              <a:ext cx="4467960" cy="3564000"/>
+              <a:ext cx="4467600" cy="3563640"/>
             </a:xfrm>
             <a:prstGeom prst="rect">
               <a:avLst/>
@@ -16503,8 +16503,8 @@
           </p:nvSpPr>
           <p:spPr>
             <a:xfrm rot="16200000">
-              <a:off x="5962680" y="1159200"/>
-              <a:ext cx="1737000" cy="2770920"/>
+              <a:off x="5962680" y="1159560"/>
+              <a:ext cx="1736640" cy="2770560"/>
             </a:xfrm>
             <a:prstGeom prst="roundRect">
               <a:avLst>
@@ -16571,7 +16571,7 @@
         <p:spPr>
           <a:xfrm>
             <a:off x="586440" y="1246680"/>
-            <a:ext cx="4003920" cy="3599640"/>
+            <a:ext cx="4003560" cy="3599280"/>
           </a:xfrm>
           <a:prstGeom prst="rect">
             <a:avLst/>
@@ -16623,7 +16623,7 @@
         <p:spPr>
           <a:xfrm>
             <a:off x="5446080" y="1672200"/>
-            <a:ext cx="2779920" cy="1737000"/>
+            <a:ext cx="2779560" cy="1736640"/>
           </a:xfrm>
           <a:prstGeom prst="rect">
             <a:avLst/>
@@ -16675,7 +16675,7 @@
         <p:spPr>
           <a:xfrm>
             <a:off x="586440" y="453960"/>
-            <a:ext cx="3696480" cy="855000"/>
+            <a:ext cx="3696120" cy="854640"/>
           </a:xfrm>
           <a:prstGeom prst="rect">
             <a:avLst/>
@@ -16763,8 +16763,8 @@
         </p:nvSpPr>
         <p:spPr>
           <a:xfrm rot="2744400">
-            <a:off x="-280800" y="-25560"/>
-            <a:ext cx="704160" cy="703800"/>
+            <a:off x="-280080" y="-25560"/>
+            <a:ext cx="703800" cy="703440"/>
           </a:xfrm>
           <a:prstGeom prst="roundRect">
             <a:avLst>
@@ -16802,7 +16802,7 @@
         <p:spPr>
           <a:xfrm>
             <a:off x="569160" y="1888920"/>
-            <a:ext cx="4820760" cy="820800"/>
+            <a:ext cx="4820400" cy="820800"/>
           </a:xfrm>
           <a:prstGeom prst="rect">
             <a:avLst/>
@@ -16853,8 +16853,8 @@
         </p:nvSpPr>
         <p:spPr>
           <a:xfrm rot="18679800">
-            <a:off x="6782040" y="457560"/>
-            <a:ext cx="6250320" cy="4665960"/>
+            <a:off x="6782040" y="457920"/>
+            <a:ext cx="6249960" cy="4665600"/>
           </a:xfrm>
           <a:prstGeom prst="roundRect">
             <a:avLst>
@@ -16891,8 +16891,8 @@
         </p:nvSpPr>
         <p:spPr>
           <a:xfrm rot="2625600">
-            <a:off x="6024960" y="4332960"/>
-            <a:ext cx="468000" cy="468000"/>
+            <a:off x="6024960" y="4332600"/>
+            <a:ext cx="467640" cy="467640"/>
           </a:xfrm>
           <a:prstGeom prst="roundRect">
             <a:avLst>
@@ -16930,7 +16930,7 @@
         <p:spPr>
           <a:xfrm>
             <a:off x="1640880" y="4592880"/>
-            <a:ext cx="2995200" cy="266040"/>
+            <a:ext cx="2994840" cy="265680"/>
           </a:xfrm>
           <a:prstGeom prst="rect">
             <a:avLst/>
@@ -16992,7 +16992,7 @@
         <p:spPr>
           <a:xfrm>
             <a:off x="867240" y="3590280"/>
-            <a:ext cx="253080" cy="253440"/>
+            <a:ext cx="252720" cy="253080"/>
           </a:xfrm>
           <a:prstGeom prst="ellipse">
             <a:avLst/>
@@ -17027,7 +17027,7 @@
         <p:spPr>
           <a:xfrm>
             <a:off x="351000" y="3793320"/>
-            <a:ext cx="1285560" cy="1131120"/>
+            <a:ext cx="1285200" cy="1130760"/>
           </a:xfrm>
           <a:prstGeom prst="rect">
             <a:avLst/>
@@ -17083,7 +17083,7 @@
         <p:spPr>
           <a:xfrm>
             <a:off x="4222080" y="1246680"/>
-            <a:ext cx="4114800" cy="3599640"/>
+            <a:ext cx="4114440" cy="3599280"/>
           </a:xfrm>
           <a:prstGeom prst="rect">
             <a:avLst/>
@@ -17134,8 +17134,8 @@
         </p:nvSpPr>
         <p:spPr>
           <a:xfrm rot="16200000">
-            <a:off x="-2181600" y="1733760"/>
-            <a:ext cx="5143680" cy="1683720"/>
+            <a:off x="-2181600" y="1734120"/>
+            <a:ext cx="5143320" cy="1683360"/>
           </a:xfrm>
           <a:prstGeom prst="roundRect">
             <a:avLst>
@@ -17173,7 +17173,7 @@
         <p:spPr>
           <a:xfrm rot="2745000">
             <a:off x="8575200" y="103320"/>
-            <a:ext cx="1132200" cy="1131840"/>
+            <a:ext cx="1131840" cy="1131480"/>
           </a:xfrm>
           <a:prstGeom prst="roundRect">
             <a:avLst>
@@ -17210,8 +17210,8 @@
         </p:nvSpPr>
         <p:spPr>
           <a:xfrm rot="16200000">
-            <a:off x="614880" y="919080"/>
-            <a:ext cx="3231720" cy="3313440"/>
+            <a:off x="614880" y="919440"/>
+            <a:ext cx="3231360" cy="3313080"/>
           </a:xfrm>
           <a:prstGeom prst="roundRect">
             <a:avLst>
@@ -17277,7 +17277,7 @@
         <p:spPr>
           <a:xfrm>
             <a:off x="4214160" y="456120"/>
-            <a:ext cx="4111560" cy="855000"/>
+            <a:ext cx="4111200" cy="854640"/>
           </a:xfrm>
           <a:prstGeom prst="rect">
             <a:avLst/>
@@ -17365,8 +17365,8 @@
         </p:nvSpPr>
         <p:spPr>
           <a:xfrm rot="2744400">
-            <a:off x="-280800" y="-25560"/>
-            <a:ext cx="704160" cy="703800"/>
+            <a:off x="-280080" y="-25560"/>
+            <a:ext cx="703800" cy="703440"/>
           </a:xfrm>
           <a:prstGeom prst="roundRect">
             <a:avLst>
@@ -17403,8 +17403,8 @@
         </p:nvSpPr>
         <p:spPr>
           <a:xfrm rot="2332200">
-            <a:off x="6009480" y="-319680"/>
-            <a:ext cx="4855320" cy="7726320"/>
+            <a:off x="6009120" y="-319680"/>
+            <a:ext cx="4854960" cy="7725960"/>
           </a:xfrm>
           <a:prstGeom prst="roundRect">
             <a:avLst>
@@ -17442,9 +17442,9 @@
         <p:grpSpPr>
           <a:xfrm>
             <a:off x="4571640" y="828000"/>
-            <a:ext cx="4467960" cy="3564000"/>
+            <a:ext cx="4467600" cy="3563640"/>
             <a:chOff x="4571640" y="828000"/>
-            <a:chExt cx="4467960" cy="3564000"/>
+            <a:chExt cx="4467600" cy="3563640"/>
           </a:xfrm>
         </p:grpSpPr>
         <p:pic>
@@ -17460,7 +17460,7 @@
           <p:spPr>
             <a:xfrm>
               <a:off x="4571640" y="828000"/>
-              <a:ext cx="4467960" cy="3564000"/>
+              <a:ext cx="4467600" cy="3563640"/>
             </a:xfrm>
             <a:prstGeom prst="rect">
               <a:avLst/>
@@ -17478,8 +17478,8 @@
           </p:nvSpPr>
           <p:spPr>
             <a:xfrm rot="16200000">
-              <a:off x="5962680" y="1159200"/>
-              <a:ext cx="1737000" cy="2770920"/>
+              <a:off x="5962680" y="1159560"/>
+              <a:ext cx="1736640" cy="2770560"/>
             </a:xfrm>
             <a:prstGeom prst="roundRect">
               <a:avLst>
@@ -17546,7 +17546,7 @@
         <p:spPr>
           <a:xfrm>
             <a:off x="5446080" y="1672200"/>
-            <a:ext cx="2770560" cy="1737000"/>
+            <a:ext cx="2770200" cy="1736640"/>
           </a:xfrm>
           <a:prstGeom prst="rect">
             <a:avLst/>
@@ -17598,7 +17598,7 @@
         <p:spPr>
           <a:xfrm>
             <a:off x="586440" y="1246680"/>
-            <a:ext cx="4003920" cy="3599640"/>
+            <a:ext cx="4003560" cy="3599280"/>
           </a:xfrm>
           <a:prstGeom prst="rect">
             <a:avLst/>
@@ -17650,7 +17650,7 @@
         <p:spPr>
           <a:xfrm>
             <a:off x="586440" y="453960"/>
-            <a:ext cx="4763880" cy="855000"/>
+            <a:ext cx="4763520" cy="854640"/>
           </a:xfrm>
           <a:prstGeom prst="rect">
             <a:avLst/>
@@ -17739,7 +17739,7 @@
         <p:spPr>
           <a:xfrm rot="2745600">
             <a:off x="8349840" y="-668160"/>
-            <a:ext cx="1497960" cy="1497960"/>
+            <a:ext cx="1497600" cy="1497600"/>
           </a:xfrm>
           <a:prstGeom prst="roundRect">
             <a:avLst>
@@ -17777,7 +17777,7 @@
         <p:spPr>
           <a:xfrm rot="2745600">
             <a:off x="7634160" y="-322200"/>
-            <a:ext cx="806760" cy="807120"/>
+            <a:ext cx="806400" cy="806760"/>
           </a:xfrm>
           <a:prstGeom prst="roundRect">
             <a:avLst>
@@ -17816,7 +17816,7 @@
         <p:spPr>
           <a:xfrm>
             <a:off x="586440" y="899640"/>
-            <a:ext cx="7931520" cy="1536840"/>
+            <a:ext cx="7931160" cy="1536480"/>
           </a:xfrm>
           <a:prstGeom prst="rect">
             <a:avLst/>
@@ -17868,7 +17868,7 @@
         <p:spPr>
           <a:xfrm>
             <a:off x="608040" y="2545560"/>
-            <a:ext cx="3711960" cy="2255400"/>
+            <a:ext cx="3711600" cy="2255040"/>
           </a:xfrm>
           <a:prstGeom prst="rect">
             <a:avLst/>
@@ -17920,7 +17920,7 @@
         <p:spPr>
           <a:xfrm>
             <a:off x="4806360" y="2545560"/>
-            <a:ext cx="3711960" cy="2255400"/>
+            <a:ext cx="3711600" cy="2255040"/>
           </a:xfrm>
           <a:prstGeom prst="rect">
             <a:avLst/>
@@ -17972,7 +17972,7 @@
         <p:spPr>
           <a:xfrm>
             <a:off x="583200" y="450720"/>
-            <a:ext cx="7197840" cy="511920"/>
+            <a:ext cx="7197480" cy="511560"/>
           </a:xfrm>
           <a:prstGeom prst="rect">
             <a:avLst/>
@@ -18054,7 +18054,7 @@
         <p:spPr>
           <a:xfrm>
             <a:off x="586440" y="1246680"/>
-            <a:ext cx="4003920" cy="3599640"/>
+            <a:ext cx="4003560" cy="3599280"/>
           </a:xfrm>
           <a:prstGeom prst="rect">
             <a:avLst/>
@@ -18106,7 +18106,7 @@
         <p:spPr>
           <a:xfrm>
             <a:off x="559800" y="446040"/>
-            <a:ext cx="4283280" cy="683280"/>
+            <a:ext cx="4282920" cy="682920"/>
           </a:xfrm>
           <a:prstGeom prst="rect">
             <a:avLst/>
@@ -18158,7 +18158,7 @@
         <p:spPr>
           <a:xfrm>
             <a:off x="5097600" y="360"/>
-            <a:ext cx="4379400" cy="5143680"/>
+            <a:ext cx="4379040" cy="5143320"/>
           </a:xfrm>
           <a:prstGeom prst="roundRect">
             <a:avLst>
@@ -18223,8 +18223,8 @@
         </p:nvSpPr>
         <p:spPr>
           <a:xfrm rot="2744400">
-            <a:off x="-280800" y="-25560"/>
-            <a:ext cx="704160" cy="703800"/>
+            <a:off x="-280080" y="-25560"/>
+            <a:ext cx="703800" cy="703440"/>
           </a:xfrm>
           <a:prstGeom prst="roundRect">
             <a:avLst>
@@ -18261,8 +18261,8 @@
         </p:nvSpPr>
         <p:spPr>
           <a:xfrm rot="2625600">
-            <a:off x="4861080" y="4146840"/>
-            <a:ext cx="468000" cy="468000"/>
+            <a:off x="4861080" y="4146480"/>
+            <a:ext cx="467640" cy="467640"/>
           </a:xfrm>
           <a:prstGeom prst="roundRect">
             <a:avLst>
@@ -18336,8 +18336,8 @@
         </p:nvSpPr>
         <p:spPr>
           <a:xfrm rot="2744400">
-            <a:off x="-349920" y="4539960"/>
-            <a:ext cx="704160" cy="703800"/>
+            <a:off x="-349200" y="4539600"/>
+            <a:ext cx="703800" cy="703440"/>
           </a:xfrm>
           <a:prstGeom prst="roundRect">
             <a:avLst>
@@ -18374,8 +18374,8 @@
         </p:nvSpPr>
         <p:spPr>
           <a:xfrm rot="19228200">
-            <a:off x="5846040" y="-2266200"/>
-            <a:ext cx="4854960" cy="7725960"/>
+            <a:off x="5845680" y="-2265840"/>
+            <a:ext cx="4854600" cy="7725600"/>
           </a:xfrm>
           <a:prstGeom prst="roundRect">
             <a:avLst>
@@ -18413,9 +18413,9 @@
         <p:grpSpPr>
           <a:xfrm>
             <a:off x="4571640" y="828000"/>
-            <a:ext cx="4467960" cy="3564000"/>
+            <a:ext cx="4467600" cy="3563640"/>
             <a:chOff x="4571640" y="828000"/>
-            <a:chExt cx="4467960" cy="3564000"/>
+            <a:chExt cx="4467600" cy="3563640"/>
           </a:xfrm>
         </p:grpSpPr>
         <p:pic>
@@ -18431,7 +18431,7 @@
           <p:spPr>
             <a:xfrm>
               <a:off x="4571640" y="828000"/>
-              <a:ext cx="4467960" cy="3564000"/>
+              <a:ext cx="4467600" cy="3563640"/>
             </a:xfrm>
             <a:prstGeom prst="rect">
               <a:avLst/>
@@ -18449,8 +18449,8 @@
           </p:nvSpPr>
           <p:spPr>
             <a:xfrm rot="16200000">
-              <a:off x="5962680" y="1159200"/>
-              <a:ext cx="1737000" cy="2770920"/>
+              <a:off x="5962680" y="1159560"/>
+              <a:ext cx="1736640" cy="2770560"/>
             </a:xfrm>
             <a:prstGeom prst="roundRect">
               <a:avLst>
@@ -18517,7 +18517,7 @@
         <p:spPr>
           <a:xfrm>
             <a:off x="586440" y="1246680"/>
-            <a:ext cx="4003920" cy="3599640"/>
+            <a:ext cx="4003560" cy="3599280"/>
           </a:xfrm>
           <a:prstGeom prst="rect">
             <a:avLst/>
@@ -18569,7 +18569,7 @@
         <p:spPr>
           <a:xfrm>
             <a:off x="5446080" y="1672200"/>
-            <a:ext cx="2779920" cy="1737000"/>
+            <a:ext cx="2779560" cy="1736640"/>
           </a:xfrm>
           <a:prstGeom prst="rect">
             <a:avLst/>
@@ -18621,7 +18621,7 @@
         <p:spPr>
           <a:xfrm>
             <a:off x="586440" y="453960"/>
-            <a:ext cx="3696480" cy="855000"/>
+            <a:ext cx="3696120" cy="854640"/>
           </a:xfrm>
           <a:prstGeom prst="rect">
             <a:avLst/>
@@ -18710,7 +18710,7 @@
         <p:spPr>
           <a:xfrm>
             <a:off x="4222080" y="1246680"/>
-            <a:ext cx="4114800" cy="3599640"/>
+            <a:ext cx="4114440" cy="3599280"/>
           </a:xfrm>
           <a:prstGeom prst="rect">
             <a:avLst/>
@@ -18761,8 +18761,8 @@
         </p:nvSpPr>
         <p:spPr>
           <a:xfrm rot="16200000">
-            <a:off x="-2181600" y="1733760"/>
-            <a:ext cx="5143680" cy="1683720"/>
+            <a:off x="-2181600" y="1734120"/>
+            <a:ext cx="5143320" cy="1683360"/>
           </a:xfrm>
           <a:prstGeom prst="roundRect">
             <a:avLst>
@@ -18800,7 +18800,7 @@
         <p:spPr>
           <a:xfrm rot="2745000">
             <a:off x="8575200" y="103320"/>
-            <a:ext cx="1132200" cy="1131840"/>
+            <a:ext cx="1131840" cy="1131480"/>
           </a:xfrm>
           <a:prstGeom prst="roundRect">
             <a:avLst>
@@ -18837,8 +18837,8 @@
         </p:nvSpPr>
         <p:spPr>
           <a:xfrm rot="16200000">
-            <a:off x="614880" y="919080"/>
-            <a:ext cx="3231720" cy="3313440"/>
+            <a:off x="614880" y="919440"/>
+            <a:ext cx="3231360" cy="3313080"/>
           </a:xfrm>
           <a:prstGeom prst="roundRect">
             <a:avLst>
@@ -18904,7 +18904,7 @@
         <p:spPr>
           <a:xfrm>
             <a:off x="4214160" y="456120"/>
-            <a:ext cx="4111560" cy="855000"/>
+            <a:ext cx="4111200" cy="854640"/>
           </a:xfrm>
           <a:prstGeom prst="rect">
             <a:avLst/>
